--- a/Algorithm/动态图/一.pptx
+++ b/Algorithm/动态图/一.pptx
@@ -8,10 +8,11 @@
     <p:notesMasterId r:id="rId4"/>
   </p:notesMasterIdLst>
   <p:handoutMasterIdLst>
-    <p:handoutMasterId r:id="rId5"/>
+    <p:handoutMasterId r:id="rId6"/>
   </p:handoutMasterIdLst>
   <p:sldIdLst>
     <p:sldId id="256" r:id="rId3"/>
+    <p:sldId id="257" r:id="rId5"/>
   </p:sldIdLst>
   <p:sldSz cx="12192000" cy="6858000"/>
   <p:notesSz cx="6858000" cy="9144000"/>
@@ -5173,6 +5174,422 @@
 </p:sld>
 </file>
 
+<file path=ppt/slides/slide2.xml><?xml version="1.0" encoding="utf-8"?>
+<p:sld xmlns:a="http://schemas.openxmlformats.org/drawingml/2006/main" xmlns:r="http://schemas.openxmlformats.org/officeDocument/2006/relationships" xmlns:p="http://schemas.openxmlformats.org/presentationml/2006/main">
+  <p:cSld>
+    <p:spTree>
+      <p:nvGrpSpPr>
+        <p:cNvPr id="1" name=""/>
+        <p:cNvGrpSpPr/>
+        <p:nvPr/>
+      </p:nvGrpSpPr>
+      <p:grpSpPr/>
+      <p:grpSp>
+        <p:nvGrpSpPr>
+          <p:cNvPr id="14" name="组合 13"/>
+          <p:cNvGrpSpPr/>
+          <p:nvPr/>
+        </p:nvGrpSpPr>
+        <p:grpSpPr>
+          <a:xfrm>
+            <a:off x="1161415" y="3043555"/>
+            <a:ext cx="6501765" cy="720090"/>
+            <a:chOff x="1829" y="4793"/>
+            <a:chExt cx="10239" cy="1134"/>
+          </a:xfrm>
+        </p:grpSpPr>
+        <p:sp>
+          <p:nvSpPr>
+            <p:cNvPr id="4" name="矩形 3"/>
+            <p:cNvSpPr/>
+            <p:nvPr/>
+          </p:nvSpPr>
+          <p:spPr>
+            <a:xfrm>
+              <a:off x="1829" y="4793"/>
+              <a:ext cx="1134" cy="1134"/>
+            </a:xfrm>
+            <a:prstGeom prst="rect">
+              <a:avLst/>
+            </a:prstGeom>
+          </p:spPr>
+          <p:style>
+            <a:lnRef idx="2">
+              <a:schemeClr val="accent1">
+                <a:shade val="50000"/>
+              </a:schemeClr>
+            </a:lnRef>
+            <a:fillRef idx="1">
+              <a:schemeClr val="accent1"/>
+            </a:fillRef>
+            <a:effectRef idx="0">
+              <a:schemeClr val="accent1"/>
+            </a:effectRef>
+            <a:fontRef idx="minor">
+              <a:schemeClr val="lt1"/>
+            </a:fontRef>
+          </p:style>
+          <p:txBody>
+            <a:bodyPr rtlCol="0" anchor="ctr"/>
+            <a:p>
+              <a:pPr algn="ctr"/>
+              <a:r>
+                <a:rPr lang="en-US" altLang="zh-CN" sz="2000" b="1"/>
+                <a:t>19</a:t>
+              </a:r>
+              <a:endParaRPr lang="en-US" altLang="zh-CN" sz="2000" b="1"/>
+            </a:p>
+          </p:txBody>
+        </p:sp>
+        <p:sp>
+          <p:nvSpPr>
+            <p:cNvPr id="5" name="矩形 4"/>
+            <p:cNvSpPr/>
+            <p:nvPr/>
+          </p:nvSpPr>
+          <p:spPr>
+            <a:xfrm>
+              <a:off x="8666" y="4793"/>
+              <a:ext cx="1134" cy="1134"/>
+            </a:xfrm>
+            <a:prstGeom prst="rect">
+              <a:avLst/>
+            </a:prstGeom>
+          </p:spPr>
+          <p:style>
+            <a:lnRef idx="2">
+              <a:schemeClr val="accent1">
+                <a:shade val="50000"/>
+              </a:schemeClr>
+            </a:lnRef>
+            <a:fillRef idx="1">
+              <a:schemeClr val="accent1"/>
+            </a:fillRef>
+            <a:effectRef idx="0">
+              <a:schemeClr val="accent1"/>
+            </a:effectRef>
+            <a:fontRef idx="minor">
+              <a:schemeClr val="lt1"/>
+            </a:fontRef>
+          </p:style>
+          <p:txBody>
+            <a:bodyPr rtlCol="0" anchor="ctr"/>
+            <a:p>
+              <a:pPr algn="ctr"/>
+              <a:r>
+                <a:rPr lang="en-US" altLang="zh-CN" sz="2000" b="1"/>
+                <a:t>100</a:t>
+              </a:r>
+              <a:endParaRPr lang="en-US" altLang="zh-CN" sz="2000" b="1"/>
+            </a:p>
+          </p:txBody>
+        </p:sp>
+        <p:sp>
+          <p:nvSpPr>
+            <p:cNvPr id="6" name="矩形 5"/>
+            <p:cNvSpPr/>
+            <p:nvPr/>
+          </p:nvSpPr>
+          <p:spPr>
+            <a:xfrm>
+              <a:off x="4130" y="4793"/>
+              <a:ext cx="1134" cy="1134"/>
+            </a:xfrm>
+            <a:prstGeom prst="rect">
+              <a:avLst/>
+            </a:prstGeom>
+          </p:spPr>
+          <p:style>
+            <a:lnRef idx="2">
+              <a:schemeClr val="accent1">
+                <a:shade val="50000"/>
+              </a:schemeClr>
+            </a:lnRef>
+            <a:fillRef idx="1">
+              <a:schemeClr val="accent1"/>
+            </a:fillRef>
+            <a:effectRef idx="0">
+              <a:schemeClr val="accent1"/>
+            </a:effectRef>
+            <a:fontRef idx="minor">
+              <a:schemeClr val="lt1"/>
+            </a:fontRef>
+          </p:style>
+          <p:txBody>
+            <a:bodyPr rtlCol="0" anchor="ctr"/>
+            <a:p>
+              <a:pPr algn="ctr"/>
+              <a:r>
+                <a:rPr lang="en-US" altLang="zh-CN" sz="2000" b="1"/>
+                <a:t>82</a:t>
+              </a:r>
+              <a:endParaRPr lang="en-US" altLang="zh-CN" sz="2000" b="1"/>
+            </a:p>
+          </p:txBody>
+        </p:sp>
+        <p:sp>
+          <p:nvSpPr>
+            <p:cNvPr id="8" name="矩形 7"/>
+            <p:cNvSpPr/>
+            <p:nvPr/>
+          </p:nvSpPr>
+          <p:spPr>
+            <a:xfrm>
+              <a:off x="6398" y="4793"/>
+              <a:ext cx="1134" cy="1134"/>
+            </a:xfrm>
+            <a:prstGeom prst="rect">
+              <a:avLst/>
+            </a:prstGeom>
+          </p:spPr>
+          <p:style>
+            <a:lnRef idx="2">
+              <a:schemeClr val="accent1">
+                <a:shade val="50000"/>
+              </a:schemeClr>
+            </a:lnRef>
+            <a:fillRef idx="1">
+              <a:schemeClr val="accent1"/>
+            </a:fillRef>
+            <a:effectRef idx="0">
+              <a:schemeClr val="accent1"/>
+            </a:effectRef>
+            <a:fontRef idx="minor">
+              <a:schemeClr val="lt1"/>
+            </a:fontRef>
+          </p:style>
+          <p:txBody>
+            <a:bodyPr rtlCol="0" anchor="ctr"/>
+            <a:p>
+              <a:pPr algn="ctr"/>
+              <a:r>
+                <a:rPr lang="en-US" altLang="zh-CN" sz="2000" b="1"/>
+                <a:t>68</a:t>
+              </a:r>
+              <a:endParaRPr lang="en-US" altLang="zh-CN" sz="2000" b="1"/>
+            </a:p>
+          </p:txBody>
+        </p:sp>
+        <p:sp>
+          <p:nvSpPr>
+            <p:cNvPr id="9" name="矩形 8"/>
+            <p:cNvSpPr/>
+            <p:nvPr/>
+          </p:nvSpPr>
+          <p:spPr>
+            <a:xfrm>
+              <a:off x="10934" y="4793"/>
+              <a:ext cx="1134" cy="1134"/>
+            </a:xfrm>
+            <a:prstGeom prst="rect">
+              <a:avLst/>
+            </a:prstGeom>
+          </p:spPr>
+          <p:style>
+            <a:lnRef idx="2">
+              <a:schemeClr val="accent1">
+                <a:shade val="50000"/>
+              </a:schemeClr>
+            </a:lnRef>
+            <a:fillRef idx="1">
+              <a:schemeClr val="accent1"/>
+            </a:fillRef>
+            <a:effectRef idx="0">
+              <a:schemeClr val="accent1"/>
+            </a:effectRef>
+            <a:fontRef idx="minor">
+              <a:schemeClr val="lt1"/>
+            </a:fontRef>
+          </p:style>
+          <p:txBody>
+            <a:bodyPr rtlCol="0" anchor="ctr"/>
+            <a:p>
+              <a:pPr algn="ctr"/>
+              <a:r>
+                <a:rPr lang="en-US" altLang="zh-CN" sz="2000" b="1"/>
+                <a:t>1</a:t>
+              </a:r>
+              <a:endParaRPr lang="en-US" altLang="zh-CN" sz="2000" b="1"/>
+            </a:p>
+          </p:txBody>
+        </p:sp>
+        <p:cxnSp>
+          <p:nvCxnSpPr>
+            <p:cNvPr id="10" name="直接箭头连接符 9"/>
+            <p:cNvCxnSpPr>
+              <a:stCxn id="4" idx="3"/>
+              <a:endCxn id="6" idx="1"/>
+            </p:cNvCxnSpPr>
+            <p:nvPr/>
+          </p:nvCxnSpPr>
+          <p:spPr>
+            <a:xfrm>
+              <a:off x="2963" y="5360"/>
+              <a:ext cx="1167" cy="0"/>
+            </a:xfrm>
+            <a:prstGeom prst="straightConnector1">
+              <a:avLst/>
+            </a:prstGeom>
+            <a:ln>
+              <a:tailEnd type="arrow" w="med" len="med"/>
+            </a:ln>
+          </p:spPr>
+          <p:style>
+            <a:lnRef idx="3">
+              <a:schemeClr val="accent5"/>
+            </a:lnRef>
+            <a:fillRef idx="0">
+              <a:schemeClr val="accent5"/>
+            </a:fillRef>
+            <a:effectRef idx="2">
+              <a:schemeClr val="accent5"/>
+            </a:effectRef>
+            <a:fontRef idx="minor">
+              <a:schemeClr val="tx1"/>
+            </a:fontRef>
+          </p:style>
+        </p:cxnSp>
+        <p:cxnSp>
+          <p:nvCxnSpPr>
+            <p:cNvPr id="11" name="直接箭头连接符 10"/>
+            <p:cNvCxnSpPr/>
+            <p:nvPr/>
+          </p:nvCxnSpPr>
+          <p:spPr>
+            <a:xfrm>
+              <a:off x="5231" y="5400"/>
+              <a:ext cx="1167" cy="0"/>
+            </a:xfrm>
+            <a:prstGeom prst="straightConnector1">
+              <a:avLst/>
+            </a:prstGeom>
+            <a:ln>
+              <a:tailEnd type="arrow" w="med" len="med"/>
+            </a:ln>
+          </p:spPr>
+          <p:style>
+            <a:lnRef idx="3">
+              <a:schemeClr val="accent5"/>
+            </a:lnRef>
+            <a:fillRef idx="0">
+              <a:schemeClr val="accent5"/>
+            </a:fillRef>
+            <a:effectRef idx="2">
+              <a:schemeClr val="accent5"/>
+            </a:effectRef>
+            <a:fontRef idx="minor">
+              <a:schemeClr val="tx1"/>
+            </a:fontRef>
+          </p:style>
+        </p:cxnSp>
+        <p:cxnSp>
+          <p:nvCxnSpPr>
+            <p:cNvPr id="12" name="直接箭头连接符 11"/>
+            <p:cNvCxnSpPr/>
+            <p:nvPr/>
+          </p:nvCxnSpPr>
+          <p:spPr>
+            <a:xfrm>
+              <a:off x="7499" y="5360"/>
+              <a:ext cx="1167" cy="0"/>
+            </a:xfrm>
+            <a:prstGeom prst="straightConnector1">
+              <a:avLst/>
+            </a:prstGeom>
+            <a:ln>
+              <a:tailEnd type="arrow" w="med" len="med"/>
+            </a:ln>
+          </p:spPr>
+          <p:style>
+            <a:lnRef idx="3">
+              <a:schemeClr val="accent5"/>
+            </a:lnRef>
+            <a:fillRef idx="0">
+              <a:schemeClr val="accent5"/>
+            </a:fillRef>
+            <a:effectRef idx="2">
+              <a:schemeClr val="accent5"/>
+            </a:effectRef>
+            <a:fontRef idx="minor">
+              <a:schemeClr val="tx1"/>
+            </a:fontRef>
+          </p:style>
+        </p:cxnSp>
+        <p:cxnSp>
+          <p:nvCxnSpPr>
+            <p:cNvPr id="13" name="直接箭头连接符 12"/>
+            <p:cNvCxnSpPr/>
+            <p:nvPr/>
+          </p:nvCxnSpPr>
+          <p:spPr>
+            <a:xfrm>
+              <a:off x="9800" y="5360"/>
+              <a:ext cx="1167" cy="0"/>
+            </a:xfrm>
+            <a:prstGeom prst="straightConnector1">
+              <a:avLst/>
+            </a:prstGeom>
+            <a:ln>
+              <a:tailEnd type="arrow" w="med" len="med"/>
+            </a:ln>
+          </p:spPr>
+          <p:style>
+            <a:lnRef idx="3">
+              <a:schemeClr val="accent5"/>
+            </a:lnRef>
+            <a:fillRef idx="0">
+              <a:schemeClr val="accent5"/>
+            </a:fillRef>
+            <a:effectRef idx="2">
+              <a:schemeClr val="accent5"/>
+            </a:effectRef>
+            <a:fontRef idx="minor">
+              <a:schemeClr val="tx1"/>
+            </a:fontRef>
+          </p:style>
+        </p:cxnSp>
+      </p:grpSp>
+      <p:sp>
+        <p:nvSpPr>
+          <p:cNvPr id="25" name="文本框 24"/>
+          <p:cNvSpPr txBox="1"/>
+          <p:nvPr/>
+        </p:nvSpPr>
+        <p:spPr>
+          <a:xfrm>
+            <a:off x="967105" y="1060450"/>
+            <a:ext cx="3095625" cy="460375"/>
+          </a:xfrm>
+          <a:prstGeom prst="rect">
+            <a:avLst/>
+          </a:prstGeom>
+          <a:noFill/>
+        </p:spPr>
+        <p:txBody>
+          <a:bodyPr wrap="none" rtlCol="0">
+            <a:spAutoFit/>
+          </a:bodyPr>
+          <a:p>
+            <a:pPr algn="l"/>
+            <a:r>
+              <a:rPr lang="zh-CN" altLang="en-US" sz="2400" b="1"/>
+              <a:t>快乐数示例1如下图：</a:t>
+            </a:r>
+            <a:endParaRPr lang="zh-CN" altLang="en-US" sz="2400" b="1"/>
+          </a:p>
+        </p:txBody>
+      </p:sp>
+    </p:spTree>
+    <p:custDataLst>
+      <p:tags r:id="rId1"/>
+    </p:custDataLst>
+  </p:cSld>
+  <p:clrMapOvr>
+    <a:masterClrMapping/>
+  </p:clrMapOvr>
+</p:sld>
+</file>
+
 <file path=ppt/tags/tag1.xml><?xml version="1.0" encoding="utf-8"?>
 <p:tagLst xmlns:p="http://schemas.openxmlformats.org/presentationml/2006/main">
   <p:tag name="KSO_WM_UNIT_HIGHLIGHT" val="0"/>
@@ -5944,6 +6361,14 @@
   <p:tag name="KSO_WM_TEMPLATE_INDEX" val="20187308"/>
   <p:tag name="KSO_WM_SLIDE_LAYOUT" val="a_b"/>
   <p:tag name="KSO_WM_SLIDE_LAYOUT_CNT" val="1_1"/>
+</p:tagLst>
+</file>
+
+<file path=ppt/tags/tag63.xml><?xml version="1.0" encoding="utf-8"?>
+<p:tagLst xmlns:p="http://schemas.openxmlformats.org/presentationml/2006/main">
+  <p:tag name="KSO_WM_BEAUTIFY_FLAG" val="#wm#"/>
+  <p:tag name="KSO_WM_TEMPLATE_CATEGORY" val="custom"/>
+  <p:tag name="KSO_WM_TEMPLATE_INDEX" val="20187308"/>
 </p:tagLst>
 </file>
 

--- a/Algorithm/动态图/一.pptx
+++ b/Algorithm/动态图/一.pptx
@@ -8,11 +8,14 @@
     <p:notesMasterId r:id="rId4"/>
   </p:notesMasterIdLst>
   <p:handoutMasterIdLst>
-    <p:handoutMasterId r:id="rId6"/>
+    <p:handoutMasterId r:id="rId9"/>
   </p:handoutMasterIdLst>
   <p:sldIdLst>
     <p:sldId id="256" r:id="rId3"/>
     <p:sldId id="257" r:id="rId5"/>
+    <p:sldId id="258" r:id="rId6"/>
+    <p:sldId id="259" r:id="rId7"/>
+    <p:sldId id="260" r:id="rId8"/>
   </p:sldIdLst>
   <p:sldSz cx="12192000" cy="6858000"/>
   <p:notesSz cx="6858000" cy="9144000"/>
@@ -4949,8 +4952,8 @@
           <p:nvPr/>
         </p:nvSpPr>
         <p:spPr>
-          <a:xfrm rot="11400000">
-            <a:off x="4997397" y="2135922"/>
+          <a:xfrm rot="11040000">
+            <a:off x="5001207" y="2126397"/>
             <a:ext cx="2160000" cy="2160000"/>
           </a:xfrm>
           <a:prstGeom prst="blockArc">
@@ -5590,6 +5593,1578 @@
 </p:sld>
 </file>
 
+<file path=ppt/slides/slide3.xml><?xml version="1.0" encoding="utf-8"?>
+<p:sld xmlns:a="http://schemas.openxmlformats.org/drawingml/2006/main" xmlns:r="http://schemas.openxmlformats.org/officeDocument/2006/relationships" xmlns:p="http://schemas.openxmlformats.org/presentationml/2006/main">
+  <p:cSld>
+    <p:spTree>
+      <p:nvGrpSpPr>
+        <p:cNvPr id="1" name=""/>
+        <p:cNvGrpSpPr/>
+        <p:nvPr/>
+      </p:nvGrpSpPr>
+      <p:grpSpPr/>
+      <p:sp>
+        <p:nvSpPr>
+          <p:cNvPr id="51" name="圆角矩形 50"/>
+          <p:cNvSpPr/>
+          <p:nvPr/>
+        </p:nvSpPr>
+        <p:spPr>
+          <a:xfrm>
+            <a:off x="5038725" y="838200"/>
+            <a:ext cx="2625725" cy="1238250"/>
+          </a:xfrm>
+          <a:prstGeom prst="roundRect">
+            <a:avLst/>
+          </a:prstGeom>
+          <a:solidFill>
+            <a:schemeClr val="bg1"/>
+          </a:solidFill>
+          <a:ln w="12700" cmpd="sng">
+            <a:solidFill>
+              <a:srgbClr val="FF0000"/>
+            </a:solidFill>
+            <a:prstDash val="sysDash"/>
+          </a:ln>
+        </p:spPr>
+        <p:style>
+          <a:lnRef idx="2">
+            <a:schemeClr val="accent6"/>
+          </a:lnRef>
+          <a:fillRef idx="1">
+            <a:schemeClr val="lt1"/>
+          </a:fillRef>
+          <a:effectRef idx="0">
+            <a:schemeClr val="accent6"/>
+          </a:effectRef>
+          <a:fontRef idx="minor">
+            <a:schemeClr val="dk1"/>
+          </a:fontRef>
+        </p:style>
+        <p:txBody>
+          <a:bodyPr rtlCol="0" anchor="ctr"/>
+          <a:p>
+            <a:pPr algn="ctr"/>
+            <a:endParaRPr lang="zh-CN" altLang="en-US"/>
+          </a:p>
+        </p:txBody>
+      </p:sp>
+      <p:grpSp>
+        <p:nvGrpSpPr>
+          <p:cNvPr id="16" name="组合 15"/>
+          <p:cNvGrpSpPr/>
+          <p:nvPr/>
+        </p:nvGrpSpPr>
+        <p:grpSpPr>
+          <a:xfrm rot="0">
+            <a:off x="940435" y="2329180"/>
+            <a:ext cx="7941310" cy="745490"/>
+            <a:chOff x="1601" y="1163"/>
+            <a:chExt cx="12506" cy="1174"/>
+          </a:xfrm>
+        </p:grpSpPr>
+        <p:grpSp>
+          <p:nvGrpSpPr>
+            <p:cNvPr id="14" name="组合 13"/>
+            <p:cNvGrpSpPr/>
+            <p:nvPr/>
+          </p:nvGrpSpPr>
+          <p:grpSpPr>
+            <a:xfrm>
+              <a:off x="3869" y="1163"/>
+              <a:ext cx="10239" cy="1134"/>
+              <a:chOff x="1829" y="4793"/>
+              <a:chExt cx="10239" cy="1134"/>
+            </a:xfrm>
+          </p:grpSpPr>
+          <p:sp>
+            <p:nvSpPr>
+              <p:cNvPr id="4" name="矩形 3"/>
+              <p:cNvSpPr/>
+              <p:nvPr/>
+            </p:nvSpPr>
+            <p:spPr>
+              <a:xfrm>
+                <a:off x="1829" y="4793"/>
+                <a:ext cx="1134" cy="1134"/>
+              </a:xfrm>
+              <a:prstGeom prst="rect">
+                <a:avLst/>
+              </a:prstGeom>
+            </p:spPr>
+            <p:style>
+              <a:lnRef idx="2">
+                <a:schemeClr val="accent1">
+                  <a:shade val="50000"/>
+                </a:schemeClr>
+              </a:lnRef>
+              <a:fillRef idx="1">
+                <a:schemeClr val="accent1"/>
+              </a:fillRef>
+              <a:effectRef idx="0">
+                <a:schemeClr val="accent1"/>
+              </a:effectRef>
+              <a:fontRef idx="minor">
+                <a:schemeClr val="lt1"/>
+              </a:fontRef>
+            </p:style>
+            <p:txBody>
+              <a:bodyPr rtlCol="0" anchor="ctr"/>
+              <a:p>
+                <a:pPr algn="ctr"/>
+                <a:r>
+                  <a:rPr lang="en-US" altLang="zh-CN" sz="2000" b="1"/>
+                  <a:t>1</a:t>
+                </a:r>
+                <a:endParaRPr lang="en-US" altLang="zh-CN" sz="2000" b="1"/>
+              </a:p>
+            </p:txBody>
+          </p:sp>
+          <p:sp>
+            <p:nvSpPr>
+              <p:cNvPr id="5" name="矩形 4"/>
+              <p:cNvSpPr/>
+              <p:nvPr/>
+            </p:nvSpPr>
+            <p:spPr>
+              <a:xfrm>
+                <a:off x="8666" y="4793"/>
+                <a:ext cx="1134" cy="1134"/>
+              </a:xfrm>
+              <a:prstGeom prst="rect">
+                <a:avLst/>
+              </a:prstGeom>
+            </p:spPr>
+            <p:style>
+              <a:lnRef idx="2">
+                <a:schemeClr val="accent1">
+                  <a:shade val="50000"/>
+                </a:schemeClr>
+              </a:lnRef>
+              <a:fillRef idx="1">
+                <a:schemeClr val="accent1"/>
+              </a:fillRef>
+              <a:effectRef idx="0">
+                <a:schemeClr val="accent1"/>
+              </a:effectRef>
+              <a:fontRef idx="minor">
+                <a:schemeClr val="lt1"/>
+              </a:fontRef>
+            </p:style>
+            <p:txBody>
+              <a:bodyPr rtlCol="0" anchor="ctr"/>
+              <a:p>
+                <a:pPr algn="ctr"/>
+                <a:r>
+                  <a:rPr lang="en-US" altLang="zh-CN" sz="2000" b="1"/>
+                  <a:t>4</a:t>
+                </a:r>
+                <a:endParaRPr lang="en-US" altLang="zh-CN" sz="2000" b="1"/>
+              </a:p>
+            </p:txBody>
+          </p:sp>
+          <p:sp>
+            <p:nvSpPr>
+              <p:cNvPr id="6" name="矩形 5"/>
+              <p:cNvSpPr/>
+              <p:nvPr/>
+            </p:nvSpPr>
+            <p:spPr>
+              <a:xfrm>
+                <a:off x="4130" y="4793"/>
+                <a:ext cx="1134" cy="1134"/>
+              </a:xfrm>
+              <a:prstGeom prst="rect">
+                <a:avLst/>
+              </a:prstGeom>
+            </p:spPr>
+            <p:style>
+              <a:lnRef idx="2">
+                <a:schemeClr val="accent1">
+                  <a:shade val="50000"/>
+                </a:schemeClr>
+              </a:lnRef>
+              <a:fillRef idx="1">
+                <a:schemeClr val="accent1"/>
+              </a:fillRef>
+              <a:effectRef idx="0">
+                <a:schemeClr val="accent1"/>
+              </a:effectRef>
+              <a:fontRef idx="minor">
+                <a:schemeClr val="lt1"/>
+              </a:fontRef>
+            </p:style>
+            <p:txBody>
+              <a:bodyPr rtlCol="0" anchor="ctr"/>
+              <a:p>
+                <a:pPr algn="ctr"/>
+                <a:r>
+                  <a:rPr lang="en-US" altLang="zh-CN" sz="2000" b="1"/>
+                  <a:t>2</a:t>
+                </a:r>
+                <a:endParaRPr lang="en-US" altLang="zh-CN" sz="2000" b="1"/>
+              </a:p>
+            </p:txBody>
+          </p:sp>
+          <p:sp>
+            <p:nvSpPr>
+              <p:cNvPr id="8" name="矩形 7"/>
+              <p:cNvSpPr/>
+              <p:nvPr/>
+            </p:nvSpPr>
+            <p:spPr>
+              <a:xfrm>
+                <a:off x="6398" y="4793"/>
+                <a:ext cx="1134" cy="1134"/>
+              </a:xfrm>
+              <a:prstGeom prst="rect">
+                <a:avLst/>
+              </a:prstGeom>
+            </p:spPr>
+            <p:style>
+              <a:lnRef idx="2">
+                <a:schemeClr val="accent1">
+                  <a:shade val="50000"/>
+                </a:schemeClr>
+              </a:lnRef>
+              <a:fillRef idx="1">
+                <a:schemeClr val="accent1"/>
+              </a:fillRef>
+              <a:effectRef idx="0">
+                <a:schemeClr val="accent1"/>
+              </a:effectRef>
+              <a:fontRef idx="minor">
+                <a:schemeClr val="lt1"/>
+              </a:fontRef>
+            </p:style>
+            <p:txBody>
+              <a:bodyPr rtlCol="0" anchor="ctr"/>
+              <a:p>
+                <a:pPr algn="ctr"/>
+                <a:r>
+                  <a:rPr lang="en-US" altLang="zh-CN" sz="2000" b="1"/>
+                  <a:t>3</a:t>
+                </a:r>
+                <a:endParaRPr lang="en-US" altLang="zh-CN" sz="2000" b="1"/>
+              </a:p>
+            </p:txBody>
+          </p:sp>
+          <p:sp>
+            <p:nvSpPr>
+              <p:cNvPr id="9" name="矩形 8"/>
+              <p:cNvSpPr/>
+              <p:nvPr/>
+            </p:nvSpPr>
+            <p:spPr>
+              <a:xfrm>
+                <a:off x="10934" y="4793"/>
+                <a:ext cx="1134" cy="1134"/>
+              </a:xfrm>
+              <a:prstGeom prst="rect">
+                <a:avLst/>
+              </a:prstGeom>
+            </p:spPr>
+            <p:style>
+              <a:lnRef idx="2">
+                <a:schemeClr val="accent1">
+                  <a:shade val="50000"/>
+                </a:schemeClr>
+              </a:lnRef>
+              <a:fillRef idx="1">
+                <a:schemeClr val="accent1"/>
+              </a:fillRef>
+              <a:effectRef idx="0">
+                <a:schemeClr val="accent1"/>
+              </a:effectRef>
+              <a:fontRef idx="minor">
+                <a:schemeClr val="lt1"/>
+              </a:fontRef>
+            </p:style>
+            <p:txBody>
+              <a:bodyPr rtlCol="0" anchor="ctr"/>
+              <a:p>
+                <a:pPr algn="ctr"/>
+                <a:r>
+                  <a:rPr lang="en-US" altLang="zh-CN" sz="2000" b="1"/>
+                  <a:t>5</a:t>
+                </a:r>
+                <a:endParaRPr lang="en-US" altLang="zh-CN" sz="2000" b="1"/>
+              </a:p>
+            </p:txBody>
+          </p:sp>
+          <p:cxnSp>
+            <p:nvCxnSpPr>
+              <p:cNvPr id="10" name="直接箭头连接符 9"/>
+              <p:cNvCxnSpPr>
+                <a:stCxn id="4" idx="3"/>
+                <a:endCxn id="6" idx="1"/>
+              </p:cNvCxnSpPr>
+              <p:nvPr/>
+            </p:nvCxnSpPr>
+            <p:spPr>
+              <a:xfrm>
+                <a:off x="2963" y="5360"/>
+                <a:ext cx="1167" cy="0"/>
+              </a:xfrm>
+              <a:prstGeom prst="straightConnector1">
+                <a:avLst/>
+              </a:prstGeom>
+              <a:ln>
+                <a:tailEnd type="arrow" w="med" len="med"/>
+              </a:ln>
+            </p:spPr>
+            <p:style>
+              <a:lnRef idx="3">
+                <a:schemeClr val="accent5"/>
+              </a:lnRef>
+              <a:fillRef idx="0">
+                <a:schemeClr val="accent5"/>
+              </a:fillRef>
+              <a:effectRef idx="2">
+                <a:schemeClr val="accent5"/>
+              </a:effectRef>
+              <a:fontRef idx="minor">
+                <a:schemeClr val="tx1"/>
+              </a:fontRef>
+            </p:style>
+          </p:cxnSp>
+          <p:cxnSp>
+            <p:nvCxnSpPr>
+              <p:cNvPr id="11" name="直接箭头连接符 10"/>
+              <p:cNvCxnSpPr/>
+              <p:nvPr/>
+            </p:nvCxnSpPr>
+            <p:spPr>
+              <a:xfrm>
+                <a:off x="5231" y="5400"/>
+                <a:ext cx="1167" cy="0"/>
+              </a:xfrm>
+              <a:prstGeom prst="straightConnector1">
+                <a:avLst/>
+              </a:prstGeom>
+              <a:ln>
+                <a:tailEnd type="arrow" w="med" len="med"/>
+              </a:ln>
+            </p:spPr>
+            <p:style>
+              <a:lnRef idx="3">
+                <a:schemeClr val="accent5"/>
+              </a:lnRef>
+              <a:fillRef idx="0">
+                <a:schemeClr val="accent5"/>
+              </a:fillRef>
+              <a:effectRef idx="2">
+                <a:schemeClr val="accent5"/>
+              </a:effectRef>
+              <a:fontRef idx="minor">
+                <a:schemeClr val="tx1"/>
+              </a:fontRef>
+            </p:style>
+          </p:cxnSp>
+          <p:cxnSp>
+            <p:nvCxnSpPr>
+              <p:cNvPr id="12" name="直接箭头连接符 11"/>
+              <p:cNvCxnSpPr/>
+              <p:nvPr/>
+            </p:nvCxnSpPr>
+            <p:spPr>
+              <a:xfrm>
+                <a:off x="7499" y="5360"/>
+                <a:ext cx="1167" cy="0"/>
+              </a:xfrm>
+              <a:prstGeom prst="straightConnector1">
+                <a:avLst/>
+              </a:prstGeom>
+              <a:ln>
+                <a:tailEnd type="arrow" w="med" len="med"/>
+              </a:ln>
+            </p:spPr>
+            <p:style>
+              <a:lnRef idx="3">
+                <a:schemeClr val="accent5"/>
+              </a:lnRef>
+              <a:fillRef idx="0">
+                <a:schemeClr val="accent5"/>
+              </a:fillRef>
+              <a:effectRef idx="2">
+                <a:schemeClr val="accent5"/>
+              </a:effectRef>
+              <a:fontRef idx="minor">
+                <a:schemeClr val="tx1"/>
+              </a:fontRef>
+            </p:style>
+          </p:cxnSp>
+          <p:cxnSp>
+            <p:nvCxnSpPr>
+              <p:cNvPr id="13" name="直接箭头连接符 12"/>
+              <p:cNvCxnSpPr/>
+              <p:nvPr/>
+            </p:nvCxnSpPr>
+            <p:spPr>
+              <a:xfrm>
+                <a:off x="9800" y="5360"/>
+                <a:ext cx="1167" cy="0"/>
+              </a:xfrm>
+              <a:prstGeom prst="straightConnector1">
+                <a:avLst/>
+              </a:prstGeom>
+              <a:ln>
+                <a:tailEnd type="arrow" w="med" len="med"/>
+              </a:ln>
+            </p:spPr>
+            <p:style>
+              <a:lnRef idx="3">
+                <a:schemeClr val="accent5"/>
+              </a:lnRef>
+              <a:fillRef idx="0">
+                <a:schemeClr val="accent5"/>
+              </a:fillRef>
+              <a:effectRef idx="2">
+                <a:schemeClr val="accent5"/>
+              </a:effectRef>
+              <a:fontRef idx="minor">
+                <a:schemeClr val="tx1"/>
+              </a:fontRef>
+            </p:style>
+          </p:cxnSp>
+        </p:grpSp>
+        <p:sp>
+          <p:nvSpPr>
+            <p:cNvPr id="2" name="矩形 1"/>
+            <p:cNvSpPr/>
+            <p:nvPr/>
+          </p:nvSpPr>
+          <p:spPr>
+            <a:xfrm>
+              <a:off x="1601" y="1203"/>
+              <a:ext cx="1134" cy="1134"/>
+            </a:xfrm>
+            <a:prstGeom prst="rect">
+              <a:avLst/>
+            </a:prstGeom>
+          </p:spPr>
+          <p:style>
+            <a:lnRef idx="2">
+              <a:schemeClr val="accent4">
+                <a:shade val="50000"/>
+              </a:schemeClr>
+            </a:lnRef>
+            <a:fillRef idx="1">
+              <a:schemeClr val="accent4"/>
+            </a:fillRef>
+            <a:effectRef idx="0">
+              <a:schemeClr val="accent4"/>
+            </a:effectRef>
+            <a:fontRef idx="minor">
+              <a:schemeClr val="lt1"/>
+            </a:fontRef>
+          </p:style>
+          <p:txBody>
+            <a:bodyPr rtlCol="0" anchor="ctr"/>
+            <a:p>
+              <a:pPr algn="ctr"/>
+              <a:r>
+                <a:rPr lang="en-US" altLang="zh-CN" sz="2000" b="1"/>
+                <a:t>-1</a:t>
+              </a:r>
+              <a:endParaRPr lang="en-US" altLang="zh-CN" sz="2000" b="1"/>
+            </a:p>
+          </p:txBody>
+        </p:sp>
+        <p:cxnSp>
+          <p:nvCxnSpPr>
+            <p:cNvPr id="3" name="直接箭头连接符 2"/>
+            <p:cNvCxnSpPr>
+              <a:stCxn id="2" idx="3"/>
+            </p:cNvCxnSpPr>
+            <p:nvPr/>
+          </p:nvCxnSpPr>
+          <p:spPr>
+            <a:xfrm>
+              <a:off x="2735" y="1770"/>
+              <a:ext cx="1167" cy="0"/>
+            </a:xfrm>
+            <a:prstGeom prst="straightConnector1">
+              <a:avLst/>
+            </a:prstGeom>
+            <a:ln>
+              <a:tailEnd type="arrow" w="med" len="med"/>
+            </a:ln>
+          </p:spPr>
+          <p:style>
+            <a:lnRef idx="3">
+              <a:schemeClr val="accent5"/>
+            </a:lnRef>
+            <a:fillRef idx="0">
+              <a:schemeClr val="accent5"/>
+            </a:fillRef>
+            <a:effectRef idx="2">
+              <a:schemeClr val="accent5"/>
+            </a:effectRef>
+            <a:fontRef idx="minor">
+              <a:schemeClr val="tx1"/>
+            </a:fontRef>
+          </p:style>
+        </p:cxnSp>
+      </p:grpSp>
+      <p:grpSp>
+        <p:nvGrpSpPr>
+          <p:cNvPr id="42" name="组合 41"/>
+          <p:cNvGrpSpPr/>
+          <p:nvPr/>
+        </p:nvGrpSpPr>
+        <p:grpSpPr>
+          <a:xfrm rot="0">
+            <a:off x="4065270" y="3107690"/>
+            <a:ext cx="322580" cy="787400"/>
+            <a:chOff x="1800" y="4879"/>
+            <a:chExt cx="508" cy="1240"/>
+          </a:xfrm>
+        </p:grpSpPr>
+        <p:sp>
+          <p:nvSpPr>
+            <p:cNvPr id="43" name="上箭头 42"/>
+            <p:cNvSpPr/>
+            <p:nvPr/>
+          </p:nvSpPr>
+          <p:spPr>
+            <a:xfrm>
+              <a:off x="1995" y="4879"/>
+              <a:ext cx="119" cy="660"/>
+            </a:xfrm>
+            <a:prstGeom prst="upArrow">
+              <a:avLst/>
+            </a:prstGeom>
+            <a:solidFill>
+              <a:srgbClr val="FF0000"/>
+            </a:solidFill>
+          </p:spPr>
+          <p:style>
+            <a:lnRef idx="2">
+              <a:schemeClr val="accent2">
+                <a:shade val="50000"/>
+              </a:schemeClr>
+            </a:lnRef>
+            <a:fillRef idx="1">
+              <a:schemeClr val="accent2"/>
+            </a:fillRef>
+            <a:effectRef idx="0">
+              <a:schemeClr val="accent2"/>
+            </a:effectRef>
+            <a:fontRef idx="minor">
+              <a:schemeClr val="lt1"/>
+            </a:fontRef>
+          </p:style>
+          <p:txBody>
+            <a:bodyPr rtlCol="0" anchor="ctr"/>
+            <a:p>
+              <a:pPr algn="ctr"/>
+              <a:endParaRPr lang="zh-CN" altLang="en-US"/>
+            </a:p>
+          </p:txBody>
+        </p:sp>
+        <p:sp>
+          <p:nvSpPr>
+            <p:cNvPr id="44" name="文本框 43"/>
+            <p:cNvSpPr txBox="1"/>
+            <p:nvPr/>
+          </p:nvSpPr>
+          <p:spPr>
+            <a:xfrm>
+              <a:off x="1800" y="5539"/>
+              <a:ext cx="508" cy="580"/>
+            </a:xfrm>
+            <a:prstGeom prst="rect">
+              <a:avLst/>
+            </a:prstGeom>
+            <a:noFill/>
+          </p:spPr>
+          <p:txBody>
+            <a:bodyPr wrap="none" rtlCol="0">
+              <a:spAutoFit/>
+            </a:bodyPr>
+            <a:p>
+              <a:r>
+                <a:rPr lang="en-US" altLang="zh-CN" b="1">
+                  <a:solidFill>
+                    <a:srgbClr val="FF0000"/>
+                  </a:solidFill>
+                </a:rPr>
+                <a:t>p</a:t>
+              </a:r>
+              <a:endParaRPr lang="en-US" altLang="zh-CN" b="1">
+                <a:solidFill>
+                  <a:srgbClr val="FF0000"/>
+                </a:solidFill>
+              </a:endParaRPr>
+            </a:p>
+          </p:txBody>
+        </p:sp>
+      </p:grpSp>
+      <p:grpSp>
+        <p:nvGrpSpPr>
+          <p:cNvPr id="45" name="组合 44"/>
+          <p:cNvGrpSpPr/>
+          <p:nvPr/>
+        </p:nvGrpSpPr>
+        <p:grpSpPr>
+          <a:xfrm rot="0">
+            <a:off x="5428615" y="3107690"/>
+            <a:ext cx="322580" cy="787400"/>
+            <a:chOff x="1800" y="4879"/>
+            <a:chExt cx="508" cy="1240"/>
+          </a:xfrm>
+        </p:grpSpPr>
+        <p:sp>
+          <p:nvSpPr>
+            <p:cNvPr id="46" name="上箭头 45"/>
+            <p:cNvSpPr/>
+            <p:nvPr/>
+          </p:nvSpPr>
+          <p:spPr>
+            <a:xfrm>
+              <a:off x="1995" y="4879"/>
+              <a:ext cx="119" cy="660"/>
+            </a:xfrm>
+            <a:prstGeom prst="upArrow">
+              <a:avLst/>
+            </a:prstGeom>
+            <a:solidFill>
+              <a:srgbClr val="FF0000"/>
+            </a:solidFill>
+          </p:spPr>
+          <p:style>
+            <a:lnRef idx="2">
+              <a:schemeClr val="accent2">
+                <a:shade val="50000"/>
+              </a:schemeClr>
+            </a:lnRef>
+            <a:fillRef idx="1">
+              <a:schemeClr val="accent2"/>
+            </a:fillRef>
+            <a:effectRef idx="0">
+              <a:schemeClr val="accent2"/>
+            </a:effectRef>
+            <a:fontRef idx="minor">
+              <a:schemeClr val="lt1"/>
+            </a:fontRef>
+          </p:style>
+          <p:txBody>
+            <a:bodyPr rtlCol="0" anchor="ctr"/>
+            <a:p>
+              <a:pPr algn="ctr"/>
+              <a:endParaRPr lang="zh-CN" altLang="en-US"/>
+            </a:p>
+          </p:txBody>
+        </p:sp>
+        <p:sp>
+          <p:nvSpPr>
+            <p:cNvPr id="47" name="文本框 46"/>
+            <p:cNvSpPr txBox="1"/>
+            <p:nvPr/>
+          </p:nvSpPr>
+          <p:spPr>
+            <a:xfrm>
+              <a:off x="1800" y="5539"/>
+              <a:ext cx="508" cy="580"/>
+            </a:xfrm>
+            <a:prstGeom prst="rect">
+              <a:avLst/>
+            </a:prstGeom>
+            <a:noFill/>
+          </p:spPr>
+          <p:txBody>
+            <a:bodyPr wrap="none" rtlCol="0">
+              <a:spAutoFit/>
+            </a:bodyPr>
+            <a:p>
+              <a:r>
+                <a:rPr lang="en-US" altLang="zh-CN" b="1">
+                  <a:solidFill>
+                    <a:srgbClr val="FF0000"/>
+                  </a:solidFill>
+                </a:rPr>
+                <a:t>q</a:t>
+              </a:r>
+              <a:endParaRPr lang="en-US" altLang="zh-CN" b="1">
+                <a:solidFill>
+                  <a:srgbClr val="FF0000"/>
+                </a:solidFill>
+              </a:endParaRPr>
+            </a:p>
+          </p:txBody>
+        </p:sp>
+      </p:grpSp>
+    </p:spTree>
+    <p:custDataLst>
+      <p:tags r:id="rId1"/>
+    </p:custDataLst>
+  </p:cSld>
+  <p:clrMapOvr>
+    <a:masterClrMapping/>
+  </p:clrMapOvr>
+</p:sld>
+</file>
+
+<file path=ppt/slides/slide4.xml><?xml version="1.0" encoding="utf-8"?>
+<p:sld xmlns:a="http://schemas.openxmlformats.org/drawingml/2006/main" xmlns:r="http://schemas.openxmlformats.org/officeDocument/2006/relationships" xmlns:p="http://schemas.openxmlformats.org/presentationml/2006/main">
+  <p:cSld>
+    <p:spTree>
+      <p:nvGrpSpPr>
+        <p:cNvPr id="1" name=""/>
+        <p:cNvGrpSpPr/>
+        <p:nvPr/>
+      </p:nvGrpSpPr>
+      <p:grpSpPr/>
+      <p:grpSp>
+        <p:nvGrpSpPr>
+          <p:cNvPr id="53" name="组合 52"/>
+          <p:cNvGrpSpPr/>
+          <p:nvPr/>
+        </p:nvGrpSpPr>
+        <p:grpSpPr>
+          <a:xfrm>
+            <a:off x="245110" y="252730"/>
+            <a:ext cx="6501765" cy="2237740"/>
+            <a:chOff x="3641" y="698"/>
+            <a:chExt cx="10239" cy="3524"/>
+          </a:xfrm>
+        </p:grpSpPr>
+        <p:grpSp>
+          <p:nvGrpSpPr>
+            <p:cNvPr id="30" name="组合 29"/>
+            <p:cNvGrpSpPr/>
+            <p:nvPr/>
+          </p:nvGrpSpPr>
+          <p:grpSpPr>
+            <a:xfrm rot="0">
+              <a:off x="3641" y="698"/>
+              <a:ext cx="10239" cy="1950"/>
+              <a:chOff x="3809" y="2873"/>
+              <a:chExt cx="10239" cy="1950"/>
+            </a:xfrm>
+          </p:grpSpPr>
+          <p:grpSp>
+            <p:nvGrpSpPr>
+              <p:cNvPr id="29" name="组合 28"/>
+              <p:cNvGrpSpPr/>
+              <p:nvPr/>
+            </p:nvGrpSpPr>
+            <p:grpSpPr>
+              <a:xfrm>
+                <a:off x="3809" y="2873"/>
+                <a:ext cx="10239" cy="1950"/>
+                <a:chOff x="3749" y="2873"/>
+                <a:chExt cx="10239" cy="1950"/>
+              </a:xfrm>
+            </p:grpSpPr>
+            <p:cxnSp>
+              <p:nvCxnSpPr>
+                <p:cNvPr id="24" name="直接连接符 23"/>
+                <p:cNvCxnSpPr/>
+                <p:nvPr/>
+              </p:nvCxnSpPr>
+              <p:spPr>
+                <a:xfrm>
+                  <a:off x="12003" y="3728"/>
+                  <a:ext cx="567" cy="1095"/>
+                </a:xfrm>
+                <a:prstGeom prst="line">
+                  <a:avLst/>
+                </a:prstGeom>
+                <a:ln w="34925">
+                  <a:solidFill>
+                    <a:srgbClr val="FF0000"/>
+                  </a:solidFill>
+                </a:ln>
+              </p:spPr>
+              <p:style>
+                <a:lnRef idx="1">
+                  <a:schemeClr val="accent1"/>
+                </a:lnRef>
+                <a:fillRef idx="0">
+                  <a:schemeClr val="accent1"/>
+                </a:fillRef>
+                <a:effectRef idx="0">
+                  <a:schemeClr val="accent1"/>
+                </a:effectRef>
+                <a:fontRef idx="minor">
+                  <a:schemeClr val="tx1"/>
+                </a:fontRef>
+              </p:style>
+            </p:cxnSp>
+            <p:grpSp>
+              <p:nvGrpSpPr>
+                <p:cNvPr id="28" name="组合 27"/>
+                <p:cNvGrpSpPr/>
+                <p:nvPr/>
+              </p:nvGrpSpPr>
+              <p:grpSpPr>
+                <a:xfrm>
+                  <a:off x="3749" y="2873"/>
+                  <a:ext cx="10239" cy="1929"/>
+                  <a:chOff x="3749" y="2873"/>
+                  <a:chExt cx="10239" cy="1929"/>
+                </a:xfrm>
+              </p:grpSpPr>
+              <p:grpSp>
+                <p:nvGrpSpPr>
+                  <p:cNvPr id="14" name="组合 13"/>
+                  <p:cNvGrpSpPr/>
+                  <p:nvPr/>
+                </p:nvGrpSpPr>
+                <p:grpSpPr>
+                  <a:xfrm rot="0">
+                    <a:off x="3749" y="3668"/>
+                    <a:ext cx="10239" cy="1134"/>
+                    <a:chOff x="1829" y="4793"/>
+                    <a:chExt cx="10239" cy="1134"/>
+                  </a:xfrm>
+                </p:grpSpPr>
+                <p:sp>
+                  <p:nvSpPr>
+                    <p:cNvPr id="9" name="矩形 8"/>
+                    <p:cNvSpPr/>
+                    <p:nvPr/>
+                  </p:nvSpPr>
+                  <p:spPr>
+                    <a:xfrm>
+                      <a:off x="1829" y="4793"/>
+                      <a:ext cx="1134" cy="1134"/>
+                    </a:xfrm>
+                    <a:prstGeom prst="rect">
+                      <a:avLst/>
+                    </a:prstGeom>
+                  </p:spPr>
+                  <p:style>
+                    <a:lnRef idx="2">
+                      <a:schemeClr val="accent1">
+                        <a:shade val="50000"/>
+                      </a:schemeClr>
+                    </a:lnRef>
+                    <a:fillRef idx="1">
+                      <a:schemeClr val="accent1"/>
+                    </a:fillRef>
+                    <a:effectRef idx="0">
+                      <a:schemeClr val="accent1"/>
+                    </a:effectRef>
+                    <a:fontRef idx="minor">
+                      <a:schemeClr val="lt1"/>
+                    </a:fontRef>
+                  </p:style>
+                  <p:txBody>
+                    <a:bodyPr rtlCol="0" anchor="ctr"/>
+                    <a:p>
+                      <a:pPr algn="ctr"/>
+                      <a:r>
+                        <a:rPr lang="en-US" altLang="zh-CN" sz="2000" b="1"/>
+                        <a:t>2</a:t>
+                      </a:r>
+                      <a:endParaRPr lang="en-US" altLang="zh-CN" sz="2000" b="1"/>
+                    </a:p>
+                  </p:txBody>
+                </p:sp>
+                <p:sp>
+                  <p:nvSpPr>
+                    <p:cNvPr id="10" name="矩形 9"/>
+                    <p:cNvSpPr/>
+                    <p:nvPr/>
+                  </p:nvSpPr>
+                  <p:spPr>
+                    <a:xfrm>
+                      <a:off x="8666" y="4793"/>
+                      <a:ext cx="1134" cy="1134"/>
+                    </a:xfrm>
+                    <a:prstGeom prst="rect">
+                      <a:avLst/>
+                    </a:prstGeom>
+                  </p:spPr>
+                  <p:style>
+                    <a:lnRef idx="2">
+                      <a:schemeClr val="accent1">
+                        <a:shade val="50000"/>
+                      </a:schemeClr>
+                    </a:lnRef>
+                    <a:fillRef idx="1">
+                      <a:schemeClr val="accent1"/>
+                    </a:fillRef>
+                    <a:effectRef idx="0">
+                      <a:schemeClr val="accent1"/>
+                    </a:effectRef>
+                    <a:fontRef idx="minor">
+                      <a:schemeClr val="lt1"/>
+                    </a:fontRef>
+                  </p:style>
+                  <p:txBody>
+                    <a:bodyPr rtlCol="0" anchor="ctr"/>
+                    <a:p>
+                      <a:pPr algn="ctr"/>
+                      <a:r>
+                        <a:rPr lang="en-US" altLang="zh-CN" sz="2000" b="1"/>
+                        <a:t>4</a:t>
+                      </a:r>
+                      <a:endParaRPr lang="en-US" altLang="zh-CN" sz="2000" b="1"/>
+                    </a:p>
+                  </p:txBody>
+                </p:sp>
+                <p:sp>
+                  <p:nvSpPr>
+                    <p:cNvPr id="11" name="矩形 10"/>
+                    <p:cNvSpPr/>
+                    <p:nvPr/>
+                  </p:nvSpPr>
+                  <p:spPr>
+                    <a:xfrm>
+                      <a:off x="4130" y="4793"/>
+                      <a:ext cx="1134" cy="1134"/>
+                    </a:xfrm>
+                    <a:prstGeom prst="rect">
+                      <a:avLst/>
+                    </a:prstGeom>
+                  </p:spPr>
+                  <p:style>
+                    <a:lnRef idx="2">
+                      <a:schemeClr val="accent1">
+                        <a:shade val="50000"/>
+                      </a:schemeClr>
+                    </a:lnRef>
+                    <a:fillRef idx="1">
+                      <a:schemeClr val="accent1"/>
+                    </a:fillRef>
+                    <a:effectRef idx="0">
+                      <a:schemeClr val="accent1"/>
+                    </a:effectRef>
+                    <a:fontRef idx="minor">
+                      <a:schemeClr val="lt1"/>
+                    </a:fontRef>
+                  </p:style>
+                  <p:txBody>
+                    <a:bodyPr rtlCol="0" anchor="ctr"/>
+                    <a:p>
+                      <a:pPr algn="ctr"/>
+                      <a:r>
+                        <a:rPr lang="en-US" altLang="zh-CN" sz="2000" b="1"/>
+                        <a:t>1</a:t>
+                      </a:r>
+                      <a:endParaRPr lang="en-US" altLang="zh-CN" sz="2000" b="1"/>
+                    </a:p>
+                  </p:txBody>
+                </p:sp>
+                <p:sp>
+                  <p:nvSpPr>
+                    <p:cNvPr id="12" name="矩形 11"/>
+                    <p:cNvSpPr/>
+                    <p:nvPr/>
+                  </p:nvSpPr>
+                  <p:spPr>
+                    <a:xfrm>
+                      <a:off x="6398" y="4793"/>
+                      <a:ext cx="1134" cy="1134"/>
+                    </a:xfrm>
+                    <a:prstGeom prst="rect">
+                      <a:avLst/>
+                    </a:prstGeom>
+                  </p:spPr>
+                  <p:style>
+                    <a:lnRef idx="2">
+                      <a:schemeClr val="accent1">
+                        <a:shade val="50000"/>
+                      </a:schemeClr>
+                    </a:lnRef>
+                    <a:fillRef idx="1">
+                      <a:schemeClr val="accent1"/>
+                    </a:fillRef>
+                    <a:effectRef idx="0">
+                      <a:schemeClr val="accent1"/>
+                    </a:effectRef>
+                    <a:fontRef idx="minor">
+                      <a:schemeClr val="lt1"/>
+                    </a:fontRef>
+                  </p:style>
+                  <p:txBody>
+                    <a:bodyPr rtlCol="0" anchor="ctr"/>
+                    <a:p>
+                      <a:pPr algn="ctr"/>
+                      <a:r>
+                        <a:rPr lang="en-US" altLang="zh-CN" sz="2000" b="1"/>
+                        <a:t>3</a:t>
+                      </a:r>
+                      <a:endParaRPr lang="en-US" altLang="zh-CN" sz="2000" b="1"/>
+                    </a:p>
+                  </p:txBody>
+                </p:sp>
+                <p:sp>
+                  <p:nvSpPr>
+                    <p:cNvPr id="13" name="矩形 12"/>
+                    <p:cNvSpPr/>
+                    <p:nvPr/>
+                  </p:nvSpPr>
+                  <p:spPr>
+                    <a:xfrm>
+                      <a:off x="10934" y="4793"/>
+                      <a:ext cx="1134" cy="1134"/>
+                    </a:xfrm>
+                    <a:prstGeom prst="rect">
+                      <a:avLst/>
+                    </a:prstGeom>
+                  </p:spPr>
+                  <p:style>
+                    <a:lnRef idx="2">
+                      <a:schemeClr val="accent1">
+                        <a:shade val="50000"/>
+                      </a:schemeClr>
+                    </a:lnRef>
+                    <a:fillRef idx="1">
+                      <a:schemeClr val="accent1"/>
+                    </a:fillRef>
+                    <a:effectRef idx="0">
+                      <a:schemeClr val="accent1"/>
+                    </a:effectRef>
+                    <a:fontRef idx="minor">
+                      <a:schemeClr val="lt1"/>
+                    </a:fontRef>
+                  </p:style>
+                  <p:txBody>
+                    <a:bodyPr rtlCol="0" anchor="ctr"/>
+                    <a:p>
+                      <a:pPr algn="ctr"/>
+                      <a:r>
+                        <a:rPr lang="en-US" altLang="zh-CN" sz="2000" b="1"/>
+                        <a:t>5</a:t>
+                      </a:r>
+                      <a:endParaRPr lang="en-US" altLang="zh-CN" sz="2000" b="1"/>
+                    </a:p>
+                  </p:txBody>
+                </p:sp>
+                <p:cxnSp>
+                  <p:nvCxnSpPr>
+                    <p:cNvPr id="17" name="直接箭头连接符 16"/>
+                    <p:cNvCxnSpPr/>
+                    <p:nvPr/>
+                  </p:nvCxnSpPr>
+                  <p:spPr>
+                    <a:xfrm>
+                      <a:off x="5231" y="5400"/>
+                      <a:ext cx="1167" cy="0"/>
+                    </a:xfrm>
+                    <a:prstGeom prst="straightConnector1">
+                      <a:avLst/>
+                    </a:prstGeom>
+                    <a:ln>
+                      <a:tailEnd type="arrow" w="med" len="med"/>
+                    </a:ln>
+                  </p:spPr>
+                  <p:style>
+                    <a:lnRef idx="3">
+                      <a:schemeClr val="accent5"/>
+                    </a:lnRef>
+                    <a:fillRef idx="0">
+                      <a:schemeClr val="accent5"/>
+                    </a:fillRef>
+                    <a:effectRef idx="2">
+                      <a:schemeClr val="accent5"/>
+                    </a:effectRef>
+                    <a:fontRef idx="minor">
+                      <a:schemeClr val="tx1"/>
+                    </a:fontRef>
+                  </p:style>
+                </p:cxnSp>
+                <p:cxnSp>
+                  <p:nvCxnSpPr>
+                    <p:cNvPr id="18" name="直接箭头连接符 17"/>
+                    <p:cNvCxnSpPr/>
+                    <p:nvPr/>
+                  </p:nvCxnSpPr>
+                  <p:spPr>
+                    <a:xfrm>
+                      <a:off x="2963" y="5401"/>
+                      <a:ext cx="1167" cy="0"/>
+                    </a:xfrm>
+                    <a:prstGeom prst="straightConnector1">
+                      <a:avLst/>
+                    </a:prstGeom>
+                    <a:ln>
+                      <a:tailEnd type="arrow" w="med" len="med"/>
+                    </a:ln>
+                  </p:spPr>
+                  <p:style>
+                    <a:lnRef idx="3">
+                      <a:schemeClr val="accent5"/>
+                    </a:lnRef>
+                    <a:fillRef idx="0">
+                      <a:schemeClr val="accent5"/>
+                    </a:fillRef>
+                    <a:effectRef idx="2">
+                      <a:schemeClr val="accent5"/>
+                    </a:effectRef>
+                    <a:fontRef idx="minor">
+                      <a:schemeClr val="tx1"/>
+                    </a:fontRef>
+                  </p:style>
+                </p:cxnSp>
+                <p:cxnSp>
+                  <p:nvCxnSpPr>
+                    <p:cNvPr id="19" name="直接箭头连接符 18"/>
+                    <p:cNvCxnSpPr/>
+                    <p:nvPr/>
+                  </p:nvCxnSpPr>
+                  <p:spPr>
+                    <a:xfrm>
+                      <a:off x="9800" y="5360"/>
+                      <a:ext cx="1167" cy="0"/>
+                    </a:xfrm>
+                    <a:prstGeom prst="straightConnector1">
+                      <a:avLst/>
+                    </a:prstGeom>
+                    <a:ln>
+                      <a:tailEnd type="arrow" w="med" len="med"/>
+                    </a:ln>
+                  </p:spPr>
+                  <p:style>
+                    <a:lnRef idx="3">
+                      <a:schemeClr val="accent5"/>
+                    </a:lnRef>
+                    <a:fillRef idx="0">
+                      <a:schemeClr val="accent5"/>
+                    </a:fillRef>
+                    <a:effectRef idx="2">
+                      <a:schemeClr val="accent5"/>
+                    </a:effectRef>
+                    <a:fontRef idx="minor">
+                      <a:schemeClr val="tx1"/>
+                    </a:fontRef>
+                  </p:style>
+                </p:cxnSp>
+              </p:grpSp>
+              <p:sp>
+                <p:nvSpPr>
+                  <p:cNvPr id="22" name="左箭头 21"/>
+                  <p:cNvSpPr/>
+                  <p:nvPr/>
+                </p:nvSpPr>
+                <p:spPr>
+                  <a:xfrm>
+                    <a:off x="9412" y="4066"/>
+                    <a:ext cx="1140" cy="420"/>
+                  </a:xfrm>
+                  <a:prstGeom prst="leftArrow">
+                    <a:avLst/>
+                  </a:prstGeom>
+                  <a:solidFill>
+                    <a:srgbClr val="FF0000"/>
+                  </a:solidFill>
+                  <a:ln>
+                    <a:solidFill>
+                      <a:srgbClr val="FF0000"/>
+                    </a:solidFill>
+                  </a:ln>
+                </p:spPr>
+                <p:style>
+                  <a:lnRef idx="2">
+                    <a:schemeClr val="accent1">
+                      <a:shade val="50000"/>
+                    </a:schemeClr>
+                  </a:lnRef>
+                  <a:fillRef idx="1">
+                    <a:schemeClr val="accent1"/>
+                  </a:fillRef>
+                  <a:effectRef idx="0">
+                    <a:schemeClr val="accent1"/>
+                  </a:effectRef>
+                  <a:fontRef idx="minor">
+                    <a:schemeClr val="lt1"/>
+                  </a:fontRef>
+                </p:style>
+                <p:txBody>
+                  <a:bodyPr rtlCol="0" anchor="ctr"/>
+                  <a:p>
+                    <a:pPr algn="ctr"/>
+                    <a:endParaRPr lang="zh-CN" altLang="en-US"/>
+                  </a:p>
+                </p:txBody>
+              </p:sp>
+              <p:sp>
+                <p:nvSpPr>
+                  <p:cNvPr id="26" name="直角上箭头 25"/>
+                  <p:cNvSpPr/>
+                  <p:nvPr/>
+                </p:nvSpPr>
+                <p:spPr>
+                  <a:xfrm flipV="1">
+                    <a:off x="8919" y="2873"/>
+                    <a:ext cx="4814" cy="735"/>
+                  </a:xfrm>
+                  <a:prstGeom prst="bentUpArrow">
+                    <a:avLst>
+                      <a:gd name="adj1" fmla="val 25000"/>
+                      <a:gd name="adj2" fmla="val 25000"/>
+                      <a:gd name="adj3" fmla="val 25024"/>
+                    </a:avLst>
+                  </a:prstGeom>
+                  <a:solidFill>
+                    <a:srgbClr val="FF0000"/>
+                  </a:solidFill>
+                  <a:ln>
+                    <a:solidFill>
+                      <a:srgbClr val="FF0000"/>
+                    </a:solidFill>
+                  </a:ln>
+                </p:spPr>
+                <p:style>
+                  <a:lnRef idx="2">
+                    <a:schemeClr val="accent1">
+                      <a:shade val="50000"/>
+                    </a:schemeClr>
+                  </a:lnRef>
+                  <a:fillRef idx="1">
+                    <a:schemeClr val="accent1"/>
+                  </a:fillRef>
+                  <a:effectRef idx="0">
+                    <a:schemeClr val="accent1"/>
+                  </a:effectRef>
+                  <a:fontRef idx="minor">
+                    <a:schemeClr val="lt1"/>
+                  </a:fontRef>
+                </p:style>
+                <p:txBody>
+                  <a:bodyPr rtlCol="0" anchor="ctr"/>
+                  <a:p>
+                    <a:pPr algn="ctr"/>
+                    <a:endParaRPr lang="zh-CN" altLang="en-US"/>
+                  </a:p>
+                </p:txBody>
+              </p:sp>
+            </p:grpSp>
+          </p:grpSp>
+          <p:sp>
+            <p:nvSpPr>
+              <p:cNvPr id="27" name="矩形 26"/>
+              <p:cNvSpPr/>
+              <p:nvPr/>
+            </p:nvSpPr>
+            <p:spPr>
+              <a:xfrm>
+                <a:off x="8859" y="2873"/>
+                <a:ext cx="225" cy="795"/>
+              </a:xfrm>
+              <a:prstGeom prst="rect">
+                <a:avLst/>
+              </a:prstGeom>
+              <a:solidFill>
+                <a:srgbClr val="FF0000"/>
+              </a:solidFill>
+              <a:ln>
+                <a:solidFill>
+                  <a:srgbClr val="FF0000"/>
+                </a:solidFill>
+              </a:ln>
+            </p:spPr>
+            <p:style>
+              <a:lnRef idx="2">
+                <a:schemeClr val="accent1">
+                  <a:shade val="50000"/>
+                </a:schemeClr>
+              </a:lnRef>
+              <a:fillRef idx="1">
+                <a:schemeClr val="accent1"/>
+              </a:fillRef>
+              <a:effectRef idx="0">
+                <a:schemeClr val="accent1"/>
+              </a:effectRef>
+              <a:fontRef idx="minor">
+                <a:schemeClr val="lt1"/>
+              </a:fontRef>
+            </p:style>
+            <p:txBody>
+              <a:bodyPr rtlCol="0" anchor="ctr"/>
+              <a:p>
+                <a:pPr algn="ctr"/>
+                <a:endParaRPr lang="zh-CN" altLang="en-US"/>
+              </a:p>
+            </p:txBody>
+          </p:sp>
+        </p:grpSp>
+        <p:sp>
+          <p:nvSpPr>
+            <p:cNvPr id="51" name="下箭头 50"/>
+            <p:cNvSpPr/>
+            <p:nvPr/>
+          </p:nvSpPr>
+          <p:spPr>
+            <a:xfrm>
+              <a:off x="8571" y="3052"/>
+              <a:ext cx="345" cy="1170"/>
+            </a:xfrm>
+            <a:prstGeom prst="downArrow">
+              <a:avLst/>
+            </a:prstGeom>
+          </p:spPr>
+          <p:style>
+            <a:lnRef idx="2">
+              <a:schemeClr val="accent3">
+                <a:shade val="50000"/>
+              </a:schemeClr>
+            </a:lnRef>
+            <a:fillRef idx="1">
+              <a:schemeClr val="accent3"/>
+            </a:fillRef>
+            <a:effectRef idx="0">
+              <a:schemeClr val="accent3"/>
+            </a:effectRef>
+            <a:fontRef idx="minor">
+              <a:schemeClr val="lt1"/>
+            </a:fontRef>
+          </p:style>
+          <p:txBody>
+            <a:bodyPr rtlCol="0" anchor="ctr"/>
+            <a:p>
+              <a:pPr algn="ctr"/>
+              <a:endParaRPr lang="zh-CN" altLang="en-US"/>
+            </a:p>
+          </p:txBody>
+        </p:sp>
+      </p:grpSp>
+      <p:sp>
+        <p:nvSpPr>
+          <p:cNvPr id="54" name="矩形 53"/>
+          <p:cNvSpPr/>
+          <p:nvPr/>
+        </p:nvSpPr>
+        <p:spPr>
+          <a:xfrm>
+            <a:off x="2379980" y="2760980"/>
+            <a:ext cx="720090" cy="720090"/>
+          </a:xfrm>
+          <a:prstGeom prst="rect">
+            <a:avLst/>
+          </a:prstGeom>
+        </p:spPr>
+        <p:style>
+          <a:lnRef idx="2">
+            <a:schemeClr val="accent1">
+              <a:shade val="50000"/>
+            </a:schemeClr>
+          </a:lnRef>
+          <a:fillRef idx="1">
+            <a:schemeClr val="accent1"/>
+          </a:fillRef>
+          <a:effectRef idx="0">
+            <a:schemeClr val="accent1"/>
+          </a:effectRef>
+          <a:fontRef idx="minor">
+            <a:schemeClr val="lt1"/>
+          </a:fontRef>
+        </p:style>
+        <p:txBody>
+          <a:bodyPr rtlCol="0" anchor="ctr"/>
+          <a:p>
+            <a:pPr algn="ctr"/>
+            <a:r>
+              <a:rPr lang="en-US" altLang="zh-CN" sz="2000" b="1"/>
+              <a:t>2</a:t>
+            </a:r>
+            <a:endParaRPr lang="en-US" altLang="zh-CN" sz="2000" b="1"/>
+          </a:p>
+        </p:txBody>
+      </p:sp>
+      <p:sp>
+        <p:nvSpPr>
+          <p:cNvPr id="55" name="矩形 54"/>
+          <p:cNvSpPr/>
+          <p:nvPr/>
+        </p:nvSpPr>
+        <p:spPr>
+          <a:xfrm>
+            <a:off x="3841115" y="2760980"/>
+            <a:ext cx="720090" cy="720090"/>
+          </a:xfrm>
+          <a:prstGeom prst="rect">
+            <a:avLst/>
+          </a:prstGeom>
+        </p:spPr>
+        <p:style>
+          <a:lnRef idx="2">
+            <a:schemeClr val="accent1">
+              <a:shade val="50000"/>
+            </a:schemeClr>
+          </a:lnRef>
+          <a:fillRef idx="1">
+            <a:schemeClr val="accent1"/>
+          </a:fillRef>
+          <a:effectRef idx="0">
+            <a:schemeClr val="accent1"/>
+          </a:effectRef>
+          <a:fontRef idx="minor">
+            <a:schemeClr val="lt1"/>
+          </a:fontRef>
+        </p:style>
+        <p:txBody>
+          <a:bodyPr rtlCol="0" anchor="ctr"/>
+          <a:p>
+            <a:pPr algn="ctr"/>
+            <a:r>
+              <a:rPr lang="en-US" altLang="zh-CN" sz="2000" b="1"/>
+              <a:t>1</a:t>
+            </a:r>
+            <a:endParaRPr lang="en-US" altLang="zh-CN" sz="2000" b="1"/>
+          </a:p>
+        </p:txBody>
+      </p:sp>
+      <p:cxnSp>
+        <p:nvCxnSpPr>
+          <p:cNvPr id="56" name="直接箭头连接符 55"/>
+          <p:cNvCxnSpPr/>
+          <p:nvPr/>
+        </p:nvCxnSpPr>
+        <p:spPr>
+          <a:xfrm>
+            <a:off x="3100070" y="3146425"/>
+            <a:ext cx="741045" cy="0"/>
+          </a:xfrm>
+          <a:prstGeom prst="straightConnector1">
+            <a:avLst/>
+          </a:prstGeom>
+          <a:ln>
+            <a:tailEnd type="arrow" w="med" len="med"/>
+          </a:ln>
+        </p:spPr>
+        <p:style>
+          <a:lnRef idx="3">
+            <a:schemeClr val="accent5"/>
+          </a:lnRef>
+          <a:fillRef idx="0">
+            <a:schemeClr val="accent5"/>
+          </a:fillRef>
+          <a:effectRef idx="2">
+            <a:schemeClr val="accent5"/>
+          </a:effectRef>
+          <a:fontRef idx="minor">
+            <a:schemeClr val="tx1"/>
+          </a:fontRef>
+        </p:style>
+      </p:cxnSp>
+    </p:spTree>
+    <p:custDataLst>
+      <p:tags r:id="rId1"/>
+    </p:custDataLst>
+  </p:cSld>
+  <p:clrMapOvr>
+    <a:masterClrMapping/>
+  </p:clrMapOvr>
+</p:sld>
+</file>
+
+<file path=ppt/slides/slide5.xml><?xml version="1.0" encoding="utf-8"?>
+<p:sld xmlns:a="http://schemas.openxmlformats.org/drawingml/2006/main" xmlns:r="http://schemas.openxmlformats.org/officeDocument/2006/relationships" xmlns:p="http://schemas.openxmlformats.org/presentationml/2006/main">
+  <p:cSld>
+    <p:spTree>
+      <p:nvGrpSpPr>
+        <p:cNvPr id="1" name=""/>
+        <p:cNvGrpSpPr/>
+        <p:nvPr/>
+      </p:nvGrpSpPr>
+      <p:grpSpPr/>
+      <p:sp>
+        <p:nvSpPr>
+          <p:cNvPr id="2" name="标题 1"/>
+          <p:cNvSpPr>
+            <a:spLocks noGrp="1"/>
+          </p:cNvSpPr>
+          <p:nvPr>
+            <p:ph type="title"/>
+          </p:nvPr>
+        </p:nvSpPr>
+        <p:spPr/>
+        <p:txBody>
+          <a:bodyPr/>
+          <a:p>
+            <a:endParaRPr lang="zh-CN" altLang="en-US"/>
+          </a:p>
+        </p:txBody>
+      </p:sp>
+      <p:sp>
+        <p:nvSpPr>
+          <p:cNvPr id="5" name="圆角矩形 4"/>
+          <p:cNvSpPr/>
+          <p:nvPr/>
+        </p:nvSpPr>
+        <p:spPr>
+          <a:xfrm>
+            <a:off x="4758055" y="1878965"/>
+            <a:ext cx="2675890" cy="1332865"/>
+          </a:xfrm>
+          <a:prstGeom prst="roundRect">
+            <a:avLst/>
+          </a:prstGeom>
+          <a:noFill/>
+          <a:ln w="12700" cmpd="sng">
+            <a:solidFill>
+              <a:srgbClr val="FF0000"/>
+            </a:solidFill>
+            <a:prstDash val="sysDash"/>
+          </a:ln>
+        </p:spPr>
+        <p:style>
+          <a:lnRef idx="2">
+            <a:schemeClr val="accent1">
+              <a:shade val="50000"/>
+            </a:schemeClr>
+          </a:lnRef>
+          <a:fillRef idx="1">
+            <a:schemeClr val="accent1"/>
+          </a:fillRef>
+          <a:effectRef idx="0">
+            <a:schemeClr val="accent1"/>
+          </a:effectRef>
+          <a:fontRef idx="minor">
+            <a:schemeClr val="lt1"/>
+          </a:fontRef>
+        </p:style>
+        <p:txBody>
+          <a:bodyPr rtlCol="0" anchor="ctr"/>
+          <a:p>
+            <a:pPr algn="ctr"/>
+            <a:endParaRPr lang="zh-CN" altLang="en-US"/>
+          </a:p>
+        </p:txBody>
+      </p:sp>
+      <p:pic>
+        <p:nvPicPr>
+          <p:cNvPr id="7" name="内容占位符 6" descr="k组反转链表03"/>
+          <p:cNvPicPr>
+            <a:picLocks noChangeAspect="1"/>
+          </p:cNvPicPr>
+          <p:nvPr>
+            <p:ph idx="1"/>
+          </p:nvPr>
+        </p:nvPicPr>
+        <p:blipFill>
+          <a:blip r:embed="rId1"/>
+          <a:stretch>
+            <a:fillRect/>
+          </a:stretch>
+        </p:blipFill>
+        <p:spPr>
+          <a:xfrm>
+            <a:off x="669925" y="2236470"/>
+            <a:ext cx="7955280" cy="1578610"/>
+          </a:xfrm>
+          <a:prstGeom prst="rect">
+            <a:avLst/>
+          </a:prstGeom>
+        </p:spPr>
+      </p:pic>
+    </p:spTree>
+    <p:custDataLst>
+      <p:tags r:id="rId2"/>
+    </p:custDataLst>
+  </p:cSld>
+  <p:clrMapOvr>
+    <a:masterClrMapping/>
+  </p:clrMapOvr>
+</p:sld>
+</file>
+
 <file path=ppt/tags/tag1.xml><?xml version="1.0" encoding="utf-8"?>
 <p:tagLst xmlns:p="http://schemas.openxmlformats.org/presentationml/2006/main">
   <p:tag name="KSO_WM_UNIT_HIGHLIGHT" val="0"/>
@@ -6365,6 +7940,30 @@
 </file>
 
 <file path=ppt/tags/tag63.xml><?xml version="1.0" encoding="utf-8"?>
+<p:tagLst xmlns:p="http://schemas.openxmlformats.org/presentationml/2006/main">
+  <p:tag name="KSO_WM_BEAUTIFY_FLAG" val="#wm#"/>
+  <p:tag name="KSO_WM_TEMPLATE_CATEGORY" val="custom"/>
+  <p:tag name="KSO_WM_TEMPLATE_INDEX" val="20187308"/>
+</p:tagLst>
+</file>
+
+<file path=ppt/tags/tag64.xml><?xml version="1.0" encoding="utf-8"?>
+<p:tagLst xmlns:p="http://schemas.openxmlformats.org/presentationml/2006/main">
+  <p:tag name="KSO_WM_BEAUTIFY_FLAG" val="#wm#"/>
+  <p:tag name="KSO_WM_TEMPLATE_CATEGORY" val="custom"/>
+  <p:tag name="KSO_WM_TEMPLATE_INDEX" val="20187308"/>
+</p:tagLst>
+</file>
+
+<file path=ppt/tags/tag65.xml><?xml version="1.0" encoding="utf-8"?>
+<p:tagLst xmlns:p="http://schemas.openxmlformats.org/presentationml/2006/main">
+  <p:tag name="KSO_WM_BEAUTIFY_FLAG" val="#wm#"/>
+  <p:tag name="KSO_WM_TEMPLATE_CATEGORY" val="custom"/>
+  <p:tag name="KSO_WM_TEMPLATE_INDEX" val="20187308"/>
+</p:tagLst>
+</file>
+
+<file path=ppt/tags/tag66.xml><?xml version="1.0" encoding="utf-8"?>
 <p:tagLst xmlns:p="http://schemas.openxmlformats.org/presentationml/2006/main">
   <p:tag name="KSO_WM_BEAUTIFY_FLAG" val="#wm#"/>
   <p:tag name="KSO_WM_TEMPLATE_CATEGORY" val="custom"/>

--- a/Algorithm/动态图/一.pptx
+++ b/Algorithm/动态图/一.pptx
@@ -8,7 +8,7 @@
     <p:notesMasterId r:id="rId4"/>
   </p:notesMasterIdLst>
   <p:handoutMasterIdLst>
-    <p:handoutMasterId r:id="rId9"/>
+    <p:handoutMasterId r:id="rId10"/>
   </p:handoutMasterIdLst>
   <p:sldIdLst>
     <p:sldId id="256" r:id="rId3"/>
@@ -16,6 +16,7 @@
     <p:sldId id="258" r:id="rId6"/>
     <p:sldId id="259" r:id="rId7"/>
     <p:sldId id="260" r:id="rId8"/>
+    <p:sldId id="261" r:id="rId9"/>
   </p:sldIdLst>
   <p:sldSz cx="12192000" cy="6858000"/>
   <p:notesSz cx="6858000" cy="9144000"/>
@@ -7043,6 +7044,36 @@
           </a:fontRef>
         </p:style>
       </p:cxnSp>
+      <p:cxnSp>
+        <p:nvCxnSpPr>
+          <p:cNvPr id="2" name="直接连接符 1"/>
+          <p:cNvCxnSpPr/>
+          <p:nvPr/>
+        </p:nvCxnSpPr>
+        <p:spPr>
+          <a:xfrm>
+            <a:off x="5286375" y="2297430"/>
+            <a:ext cx="476250" cy="647700"/>
+          </a:xfrm>
+          <a:prstGeom prst="line">
+            <a:avLst/>
+          </a:prstGeom>
+        </p:spPr>
+        <p:style>
+          <a:lnRef idx="1">
+            <a:schemeClr val="accent1"/>
+          </a:lnRef>
+          <a:fillRef idx="0">
+            <a:schemeClr val="accent1"/>
+          </a:fillRef>
+          <a:effectRef idx="0">
+            <a:schemeClr val="accent1"/>
+          </a:effectRef>
+          <a:fontRef idx="minor">
+            <a:schemeClr val="tx1"/>
+          </a:fontRef>
+        </p:style>
+      </p:cxnSp>
     </p:spTree>
     <p:custDataLst>
       <p:tags r:id="rId1"/>
@@ -7064,44 +7095,313 @@
         <p:nvPr/>
       </p:nvGrpSpPr>
       <p:grpSpPr/>
+      <p:grpSp>
+        <p:nvGrpSpPr>
+          <p:cNvPr id="16" name="组合 15"/>
+          <p:cNvGrpSpPr/>
+          <p:nvPr/>
+        </p:nvGrpSpPr>
+        <p:grpSpPr>
+          <a:xfrm rot="0">
+            <a:off x="940435" y="2329180"/>
+            <a:ext cx="7941945" cy="745490"/>
+            <a:chOff x="1601" y="1163"/>
+            <a:chExt cx="12507" cy="1174"/>
+          </a:xfrm>
+        </p:grpSpPr>
+        <p:grpSp>
+          <p:nvGrpSpPr>
+            <p:cNvPr id="14" name="组合 13"/>
+            <p:cNvGrpSpPr/>
+            <p:nvPr/>
+          </p:nvGrpSpPr>
+          <p:grpSpPr>
+            <a:xfrm>
+              <a:off x="10706" y="1163"/>
+              <a:ext cx="3402" cy="1134"/>
+              <a:chOff x="8666" y="4793"/>
+              <a:chExt cx="3402" cy="1134"/>
+            </a:xfrm>
+          </p:grpSpPr>
+          <p:sp>
+            <p:nvSpPr>
+              <p:cNvPr id="6" name="矩形 5"/>
+              <p:cNvSpPr/>
+              <p:nvPr/>
+            </p:nvSpPr>
+            <p:spPr>
+              <a:xfrm>
+                <a:off x="8666" y="4793"/>
+                <a:ext cx="1134" cy="1134"/>
+              </a:xfrm>
+              <a:prstGeom prst="rect">
+                <a:avLst/>
+              </a:prstGeom>
+            </p:spPr>
+            <p:style>
+              <a:lnRef idx="2">
+                <a:schemeClr val="accent1">
+                  <a:shade val="50000"/>
+                </a:schemeClr>
+              </a:lnRef>
+              <a:fillRef idx="1">
+                <a:schemeClr val="accent1"/>
+              </a:fillRef>
+              <a:effectRef idx="0">
+                <a:schemeClr val="accent1"/>
+              </a:effectRef>
+              <a:fontRef idx="minor">
+                <a:schemeClr val="lt1"/>
+              </a:fontRef>
+            </p:style>
+            <p:txBody>
+              <a:bodyPr rtlCol="0" anchor="ctr"/>
+              <a:p>
+                <a:pPr algn="ctr"/>
+                <a:r>
+                  <a:rPr lang="en-US" altLang="zh-CN" sz="2000" b="1"/>
+                  <a:t>2</a:t>
+                </a:r>
+                <a:endParaRPr lang="en-US" altLang="zh-CN" sz="2000" b="1"/>
+              </a:p>
+            </p:txBody>
+          </p:sp>
+          <p:sp>
+            <p:nvSpPr>
+              <p:cNvPr id="9" name="矩形 8"/>
+              <p:cNvSpPr/>
+              <p:nvPr/>
+            </p:nvSpPr>
+            <p:spPr>
+              <a:xfrm>
+                <a:off x="10934" y="4793"/>
+                <a:ext cx="1134" cy="1134"/>
+              </a:xfrm>
+              <a:prstGeom prst="rect">
+                <a:avLst/>
+              </a:prstGeom>
+            </p:spPr>
+            <p:style>
+              <a:lnRef idx="2">
+                <a:schemeClr val="accent1">
+                  <a:shade val="50000"/>
+                </a:schemeClr>
+              </a:lnRef>
+              <a:fillRef idx="1">
+                <a:schemeClr val="accent1"/>
+              </a:fillRef>
+              <a:effectRef idx="0">
+                <a:schemeClr val="accent1"/>
+              </a:effectRef>
+              <a:fontRef idx="minor">
+                <a:schemeClr val="lt1"/>
+              </a:fontRef>
+            </p:style>
+            <p:txBody>
+              <a:bodyPr rtlCol="0" anchor="ctr"/>
+              <a:p>
+                <a:pPr algn="ctr"/>
+                <a:r>
+                  <a:rPr lang="en-US" altLang="zh-CN" sz="2000" b="1"/>
+                  <a:t>3</a:t>
+                </a:r>
+                <a:endParaRPr lang="en-US" altLang="zh-CN" sz="2000" b="1"/>
+              </a:p>
+            </p:txBody>
+          </p:sp>
+          <p:cxnSp>
+            <p:nvCxnSpPr>
+              <p:cNvPr id="13" name="直接箭头连接符 12"/>
+              <p:cNvCxnSpPr/>
+              <p:nvPr/>
+            </p:nvCxnSpPr>
+            <p:spPr>
+              <a:xfrm>
+                <a:off x="9800" y="5360"/>
+                <a:ext cx="1167" cy="0"/>
+              </a:xfrm>
+              <a:prstGeom prst="straightConnector1">
+                <a:avLst/>
+              </a:prstGeom>
+              <a:ln>
+                <a:tailEnd type="arrow" w="med" len="med"/>
+              </a:ln>
+            </p:spPr>
+            <p:style>
+              <a:lnRef idx="3">
+                <a:schemeClr val="accent5"/>
+              </a:lnRef>
+              <a:fillRef idx="0">
+                <a:schemeClr val="accent5"/>
+              </a:fillRef>
+              <a:effectRef idx="2">
+                <a:schemeClr val="accent5"/>
+              </a:effectRef>
+              <a:fontRef idx="minor">
+                <a:schemeClr val="tx1"/>
+              </a:fontRef>
+            </p:style>
+          </p:cxnSp>
+        </p:grpSp>
+        <p:sp>
+          <p:nvSpPr>
+            <p:cNvPr id="15" name="矩形 14"/>
+            <p:cNvSpPr/>
+            <p:nvPr/>
+          </p:nvSpPr>
+          <p:spPr>
+            <a:xfrm>
+              <a:off x="1601" y="1203"/>
+              <a:ext cx="1134" cy="1134"/>
+            </a:xfrm>
+            <a:prstGeom prst="rect">
+              <a:avLst/>
+            </a:prstGeom>
+          </p:spPr>
+          <p:style>
+            <a:lnRef idx="2">
+              <a:schemeClr val="accent4">
+                <a:shade val="50000"/>
+              </a:schemeClr>
+            </a:lnRef>
+            <a:fillRef idx="1">
+              <a:schemeClr val="accent4"/>
+            </a:fillRef>
+            <a:effectRef idx="0">
+              <a:schemeClr val="accent4"/>
+            </a:effectRef>
+            <a:fontRef idx="minor">
+              <a:schemeClr val="lt1"/>
+            </a:fontRef>
+          </p:style>
+          <p:txBody>
+            <a:bodyPr rtlCol="0" anchor="ctr"/>
+            <a:p>
+              <a:pPr algn="ctr"/>
+              <a:r>
+                <a:rPr lang="en-US" altLang="zh-CN" sz="2000" b="1"/>
+                <a:t>-1</a:t>
+              </a:r>
+              <a:endParaRPr lang="en-US" altLang="zh-CN" sz="2000" b="1"/>
+            </a:p>
+          </p:txBody>
+        </p:sp>
+      </p:grpSp>
+      <p:grpSp>
+        <p:nvGrpSpPr>
+          <p:cNvPr id="42" name="组合 41"/>
+          <p:cNvGrpSpPr/>
+          <p:nvPr/>
+        </p:nvGrpSpPr>
+        <p:grpSpPr>
+          <a:xfrm rot="0">
+            <a:off x="6932930" y="3108960"/>
+            <a:ext cx="322580" cy="787400"/>
+            <a:chOff x="1800" y="4879"/>
+            <a:chExt cx="508" cy="1240"/>
+          </a:xfrm>
+        </p:grpSpPr>
+        <p:sp>
+          <p:nvSpPr>
+            <p:cNvPr id="43" name="上箭头 42"/>
+            <p:cNvSpPr/>
+            <p:nvPr/>
+          </p:nvSpPr>
+          <p:spPr>
+            <a:xfrm>
+              <a:off x="1995" y="4879"/>
+              <a:ext cx="119" cy="660"/>
+            </a:xfrm>
+            <a:prstGeom prst="upArrow">
+              <a:avLst/>
+            </a:prstGeom>
+            <a:solidFill>
+              <a:srgbClr val="FF0000"/>
+            </a:solidFill>
+          </p:spPr>
+          <p:style>
+            <a:lnRef idx="2">
+              <a:schemeClr val="accent2">
+                <a:shade val="50000"/>
+              </a:schemeClr>
+            </a:lnRef>
+            <a:fillRef idx="1">
+              <a:schemeClr val="accent2"/>
+            </a:fillRef>
+            <a:effectRef idx="0">
+              <a:schemeClr val="accent2"/>
+            </a:effectRef>
+            <a:fontRef idx="minor">
+              <a:schemeClr val="lt1"/>
+            </a:fontRef>
+          </p:style>
+          <p:txBody>
+            <a:bodyPr rtlCol="0" anchor="ctr"/>
+            <a:p>
+              <a:pPr algn="ctr"/>
+              <a:endParaRPr lang="zh-CN" altLang="en-US"/>
+            </a:p>
+          </p:txBody>
+        </p:sp>
+        <p:sp>
+          <p:nvSpPr>
+            <p:cNvPr id="44" name="文本框 43"/>
+            <p:cNvSpPr txBox="1"/>
+            <p:nvPr/>
+          </p:nvSpPr>
+          <p:spPr>
+            <a:xfrm>
+              <a:off x="1800" y="5539"/>
+              <a:ext cx="508" cy="580"/>
+            </a:xfrm>
+            <a:prstGeom prst="rect">
+              <a:avLst/>
+            </a:prstGeom>
+            <a:noFill/>
+          </p:spPr>
+          <p:txBody>
+            <a:bodyPr wrap="none" rtlCol="0">
+              <a:spAutoFit/>
+            </a:bodyPr>
+            <a:p>
+              <a:r>
+                <a:rPr lang="en-US" altLang="zh-CN" b="1">
+                  <a:solidFill>
+                    <a:srgbClr val="FF0000"/>
+                  </a:solidFill>
+                </a:rPr>
+                <a:t>p</a:t>
+              </a:r>
+              <a:endParaRPr lang="en-US" altLang="zh-CN" b="1">
+                <a:solidFill>
+                  <a:srgbClr val="FF0000"/>
+                </a:solidFill>
+              </a:endParaRPr>
+            </a:p>
+          </p:txBody>
+        </p:sp>
+      </p:grpSp>
       <p:sp>
         <p:nvSpPr>
-          <p:cNvPr id="2" name="标题 1"/>
-          <p:cNvSpPr>
-            <a:spLocks noGrp="1"/>
-          </p:cNvSpPr>
-          <p:nvPr>
-            <p:ph type="title"/>
-          </p:nvPr>
-        </p:nvSpPr>
-        <p:spPr/>
-        <p:txBody>
-          <a:bodyPr/>
-          <a:p>
-            <a:endParaRPr lang="zh-CN" altLang="en-US"/>
-          </a:p>
-        </p:txBody>
-      </p:sp>
-      <p:sp>
-        <p:nvSpPr>
-          <p:cNvPr id="5" name="圆角矩形 4"/>
+          <p:cNvPr id="20" name="下箭头 19"/>
           <p:cNvSpPr/>
           <p:nvPr/>
         </p:nvSpPr>
         <p:spPr>
           <a:xfrm>
-            <a:off x="4758055" y="1878965"/>
-            <a:ext cx="2675890" cy="1332865"/>
+            <a:off x="7044055" y="1852930"/>
+            <a:ext cx="99695" cy="476250"/>
           </a:xfrm>
-          <a:prstGeom prst="roundRect">
+          <a:prstGeom prst="downArrow">
             <a:avLst/>
           </a:prstGeom>
-          <a:noFill/>
-          <a:ln w="12700" cmpd="sng">
+          <a:solidFill>
+            <a:schemeClr val="accent2"/>
+          </a:solidFill>
+          <a:ln>
             <a:solidFill>
               <a:srgbClr val="FF0000"/>
             </a:solidFill>
-            <a:prstDash val="sysDash"/>
           </a:ln>
         </p:spPr>
         <p:style>
@@ -7128,15 +7428,268 @@
           </a:p>
         </p:txBody>
       </p:sp>
+      <p:sp>
+        <p:nvSpPr>
+          <p:cNvPr id="21" name="矩形 20"/>
+          <p:cNvSpPr/>
+          <p:nvPr/>
+        </p:nvSpPr>
+        <p:spPr>
+          <a:xfrm>
+            <a:off x="1339215" y="1774190"/>
+            <a:ext cx="5779770" cy="76200"/>
+          </a:xfrm>
+          <a:prstGeom prst="rect">
+            <a:avLst/>
+          </a:prstGeom>
+          <a:solidFill>
+            <a:srgbClr val="FF0000"/>
+          </a:solidFill>
+          <a:ln>
+            <a:solidFill>
+              <a:srgbClr val="FF0000"/>
+            </a:solidFill>
+          </a:ln>
+        </p:spPr>
+        <p:style>
+          <a:lnRef idx="2">
+            <a:schemeClr val="accent1">
+              <a:shade val="50000"/>
+            </a:schemeClr>
+          </a:lnRef>
+          <a:fillRef idx="1">
+            <a:schemeClr val="accent1"/>
+          </a:fillRef>
+          <a:effectRef idx="0">
+            <a:schemeClr val="accent1"/>
+          </a:effectRef>
+          <a:fontRef idx="minor">
+            <a:schemeClr val="lt1"/>
+          </a:fontRef>
+        </p:style>
+        <p:txBody>
+          <a:bodyPr rtlCol="0" anchor="ctr"/>
+          <a:p>
+            <a:pPr algn="ctr"/>
+            <a:endParaRPr lang="zh-CN" altLang="en-US"/>
+          </a:p>
+        </p:txBody>
+      </p:sp>
+      <p:grpSp>
+        <p:nvGrpSpPr>
+          <p:cNvPr id="22" name="组合 21"/>
+          <p:cNvGrpSpPr/>
+          <p:nvPr/>
+        </p:nvGrpSpPr>
+        <p:grpSpPr>
+          <a:xfrm rot="0">
+            <a:off x="4749165" y="3365500"/>
+            <a:ext cx="322580" cy="787400"/>
+            <a:chOff x="1800" y="4879"/>
+            <a:chExt cx="508" cy="1240"/>
+          </a:xfrm>
+        </p:grpSpPr>
+        <p:sp>
+          <p:nvSpPr>
+            <p:cNvPr id="23" name="上箭头 22"/>
+            <p:cNvSpPr/>
+            <p:nvPr/>
+          </p:nvSpPr>
+          <p:spPr>
+            <a:xfrm>
+              <a:off x="1995" y="4879"/>
+              <a:ext cx="119" cy="660"/>
+            </a:xfrm>
+            <a:prstGeom prst="upArrow">
+              <a:avLst/>
+            </a:prstGeom>
+            <a:solidFill>
+              <a:srgbClr val="FF0000"/>
+            </a:solidFill>
+          </p:spPr>
+          <p:style>
+            <a:lnRef idx="2">
+              <a:schemeClr val="accent2">
+                <a:shade val="50000"/>
+              </a:schemeClr>
+            </a:lnRef>
+            <a:fillRef idx="1">
+              <a:schemeClr val="accent2"/>
+            </a:fillRef>
+            <a:effectRef idx="0">
+              <a:schemeClr val="accent2"/>
+            </a:effectRef>
+            <a:fontRef idx="minor">
+              <a:schemeClr val="lt1"/>
+            </a:fontRef>
+          </p:style>
+          <p:txBody>
+            <a:bodyPr rtlCol="0" anchor="ctr"/>
+            <a:p>
+              <a:pPr algn="ctr"/>
+              <a:endParaRPr lang="zh-CN" altLang="en-US"/>
+            </a:p>
+          </p:txBody>
+        </p:sp>
+        <p:sp>
+          <p:nvSpPr>
+            <p:cNvPr id="24" name="文本框 23"/>
+            <p:cNvSpPr txBox="1"/>
+            <p:nvPr/>
+          </p:nvSpPr>
+          <p:spPr>
+            <a:xfrm>
+              <a:off x="1800" y="5539"/>
+              <a:ext cx="508" cy="580"/>
+            </a:xfrm>
+            <a:prstGeom prst="rect">
+              <a:avLst/>
+            </a:prstGeom>
+            <a:noFill/>
+          </p:spPr>
+          <p:txBody>
+            <a:bodyPr wrap="none" rtlCol="0">
+              <a:spAutoFit/>
+            </a:bodyPr>
+            <a:p>
+              <a:r>
+                <a:rPr lang="en-US" altLang="zh-CN" b="1">
+                  <a:solidFill>
+                    <a:srgbClr val="FF0000"/>
+                  </a:solidFill>
+                </a:rPr>
+                <a:t>q</a:t>
+              </a:r>
+              <a:endParaRPr lang="en-US" altLang="zh-CN" b="1">
+                <a:solidFill>
+                  <a:srgbClr val="FF0000"/>
+                </a:solidFill>
+              </a:endParaRPr>
+            </a:p>
+          </p:txBody>
+        </p:sp>
+      </p:grpSp>
+      <p:sp>
+        <p:nvSpPr>
+          <p:cNvPr id="27" name="矩形 26"/>
+          <p:cNvSpPr/>
+          <p:nvPr/>
+        </p:nvSpPr>
+        <p:spPr>
+          <a:xfrm>
+            <a:off x="1338580" y="1849755"/>
+            <a:ext cx="76200" cy="504825"/>
+          </a:xfrm>
+          <a:prstGeom prst="rect">
+            <a:avLst/>
+          </a:prstGeom>
+          <a:solidFill>
+            <a:srgbClr val="FF0000"/>
+          </a:solidFill>
+          <a:ln>
+            <a:solidFill>
+              <a:srgbClr val="FF0000"/>
+            </a:solidFill>
+          </a:ln>
+        </p:spPr>
+        <p:style>
+          <a:lnRef idx="2">
+            <a:schemeClr val="accent1">
+              <a:shade val="50000"/>
+            </a:schemeClr>
+          </a:lnRef>
+          <a:fillRef idx="1">
+            <a:schemeClr val="accent1"/>
+          </a:fillRef>
+          <a:effectRef idx="0">
+            <a:schemeClr val="accent1"/>
+          </a:effectRef>
+          <a:fontRef idx="minor">
+            <a:schemeClr val="lt1"/>
+          </a:fontRef>
+        </p:style>
+        <p:txBody>
+          <a:bodyPr rtlCol="0" anchor="ctr"/>
+          <a:p>
+            <a:pPr algn="ctr"/>
+            <a:endParaRPr lang="zh-CN" altLang="en-US"/>
+          </a:p>
+        </p:txBody>
+      </p:sp>
+    </p:spTree>
+    <p:custDataLst>
+      <p:tags r:id="rId1"/>
+    </p:custDataLst>
+  </p:cSld>
+  <p:clrMapOvr>
+    <a:masterClrMapping/>
+  </p:clrMapOvr>
+</p:sld>
+</file>
+
+<file path=ppt/slides/slide6.xml><?xml version="1.0" encoding="utf-8"?>
+<p:sld xmlns:a="http://schemas.openxmlformats.org/drawingml/2006/main" xmlns:r="http://schemas.openxmlformats.org/officeDocument/2006/relationships" xmlns:p="http://schemas.openxmlformats.org/presentationml/2006/main">
+  <p:cSld>
+    <p:spTree>
+      <p:nvGrpSpPr>
+        <p:cNvPr id="1" name=""/>
+        <p:cNvGrpSpPr/>
+        <p:nvPr/>
+      </p:nvGrpSpPr>
+      <p:grpSpPr/>
+      <p:sp>
+        <p:nvSpPr>
+          <p:cNvPr id="51" name="圆角矩形 50"/>
+          <p:cNvSpPr/>
+          <p:nvPr/>
+        </p:nvSpPr>
+        <p:spPr>
+          <a:xfrm>
+            <a:off x="6290310" y="1264285"/>
+            <a:ext cx="2625725" cy="1238250"/>
+          </a:xfrm>
+          <a:prstGeom prst="roundRect">
+            <a:avLst/>
+          </a:prstGeom>
+          <a:solidFill>
+            <a:schemeClr val="bg1"/>
+          </a:solidFill>
+          <a:ln w="12700" cmpd="sng">
+            <a:solidFill>
+              <a:srgbClr val="FF0000"/>
+            </a:solidFill>
+            <a:prstDash val="sysDash"/>
+          </a:ln>
+        </p:spPr>
+        <p:style>
+          <a:lnRef idx="2">
+            <a:schemeClr val="accent6"/>
+          </a:lnRef>
+          <a:fillRef idx="1">
+            <a:schemeClr val="lt1"/>
+          </a:fillRef>
+          <a:effectRef idx="0">
+            <a:schemeClr val="accent6"/>
+          </a:effectRef>
+          <a:fontRef idx="minor">
+            <a:schemeClr val="dk1"/>
+          </a:fontRef>
+        </p:style>
+        <p:txBody>
+          <a:bodyPr rtlCol="0" anchor="ctr"/>
+          <a:p>
+            <a:pPr algn="ctr"/>
+            <a:endParaRPr lang="zh-CN" altLang="en-US"/>
+          </a:p>
+        </p:txBody>
+      </p:sp>
       <p:pic>
         <p:nvPicPr>
-          <p:cNvPr id="7" name="内容占位符 6" descr="k组反转链表03"/>
+          <p:cNvPr id="8" name="图片 7" descr="删除排序链表中的重复元素 II06"/>
           <p:cNvPicPr>
             <a:picLocks noChangeAspect="1"/>
           </p:cNvPicPr>
-          <p:nvPr>
-            <p:ph idx="1"/>
-          </p:nvPr>
+          <p:nvPr/>
         </p:nvPicPr>
         <p:blipFill>
           <a:blip r:embed="rId1"/>
@@ -7146,8 +7699,8 @@
         </p:blipFill>
         <p:spPr>
           <a:xfrm>
-            <a:off x="669925" y="2236470"/>
-            <a:ext cx="7955280" cy="1578610"/>
+            <a:off x="752475" y="880110"/>
+            <a:ext cx="7955280" cy="2273935"/>
           </a:xfrm>
           <a:prstGeom prst="rect">
             <a:avLst/>
@@ -7971,6 +8524,14 @@
 </p:tagLst>
 </file>
 
+<file path=ppt/tags/tag67.xml><?xml version="1.0" encoding="utf-8"?>
+<p:tagLst xmlns:p="http://schemas.openxmlformats.org/presentationml/2006/main">
+  <p:tag name="KSO_WM_BEAUTIFY_FLAG" val="#wm#"/>
+  <p:tag name="KSO_WM_TEMPLATE_CATEGORY" val="custom"/>
+  <p:tag name="KSO_WM_TEMPLATE_INDEX" val="20187308"/>
+</p:tagLst>
+</file>
+
 <file path=ppt/tags/tag7.xml><?xml version="1.0" encoding="utf-8"?>
 <p:tagLst xmlns:p="http://schemas.openxmlformats.org/presentationml/2006/main">
   <p:tag name="KSO_WM_UNIT_HIGHLIGHT" val="0"/>
@@ -8201,6 +8762,37 @@
       </a:bgFillStyleLst>
     </a:fmtScheme>
   </a:themeElements>
+  <a:objectDefaults>
+    <a:spDef>
+      <a:spPr>
+        <a:solidFill>
+          <a:srgbClr val="FF0000"/>
+        </a:solidFill>
+      </a:spPr>
+      <a:bodyPr rtlCol="0" anchor="ctr"/>
+      <a:lstStyle>
+        <a:defPPr algn="ctr">
+          <a:defRPr lang="zh-CN" altLang="en-US"/>
+        </a:defPPr>
+      </a:lstStyle>
+      <a:style>
+        <a:lnRef idx="2">
+          <a:schemeClr val="accent2">
+            <a:shade val="50000"/>
+          </a:schemeClr>
+        </a:lnRef>
+        <a:fillRef idx="1">
+          <a:schemeClr val="accent2"/>
+        </a:fillRef>
+        <a:effectRef idx="0">
+          <a:schemeClr val="accent2"/>
+        </a:effectRef>
+        <a:fontRef idx="minor">
+          <a:schemeClr val="lt1"/>
+        </a:fontRef>
+      </a:style>
+    </a:spDef>
+  </a:objectDefaults>
   <a:extLst>
     <a:ext uri="{05A4C25C-085E-4340-85A3-A5531E510DB2}">
       <thm15:themeFamily xmlns:thm15="http://schemas.microsoft.com/office/thememl/2012/main" name="Office Theme" id="{62F939B6-93AF-4DB8-9C6B-D6C7DFDC589F}" vid="{4A3C46E8-61CC-4603-A589-7422A47A8E4A}"/>
